--- a/java 報告.pptx
+++ b/java 報告.pptx
@@ -5,7 +5,7 @@
     <p:sldMasterId id="2147483940" r:id="rId1"/>
   </p:sldMasterIdLst>
   <p:notesMasterIdLst>
-    <p:notesMasterId r:id="rId14"/>
+    <p:notesMasterId r:id="rId13"/>
   </p:notesMasterIdLst>
   <p:sldIdLst>
     <p:sldId id="2686" r:id="rId2"/>
@@ -13,18 +13,17 @@
     <p:sldId id="2688" r:id="rId4"/>
     <p:sldId id="2698" r:id="rId5"/>
     <p:sldId id="2711" r:id="rId6"/>
-    <p:sldId id="2712" r:id="rId7"/>
-    <p:sldId id="2713" r:id="rId8"/>
-    <p:sldId id="2714" r:id="rId9"/>
-    <p:sldId id="2715" r:id="rId10"/>
-    <p:sldId id="2716" r:id="rId11"/>
-    <p:sldId id="2699" r:id="rId12"/>
-    <p:sldId id="2700" r:id="rId13"/>
+    <p:sldId id="2713" r:id="rId7"/>
+    <p:sldId id="2714" r:id="rId8"/>
+    <p:sldId id="2715" r:id="rId9"/>
+    <p:sldId id="2716" r:id="rId10"/>
+    <p:sldId id="2699" r:id="rId11"/>
+    <p:sldId id="2700" r:id="rId12"/>
   </p:sldIdLst>
   <p:sldSz cx="12858750" cy="7232650"/>
   <p:notesSz cx="6858000" cy="9144000"/>
   <p:custDataLst>
-    <p:tags r:id="rId15"/>
+    <p:tags r:id="rId14"/>
   </p:custDataLst>
   <p:defaultTextStyle>
     <a:defPPr>
@@ -249,7 +248,7 @@
               <a:pPr>
                 <a:defRPr/>
               </a:pPr>
-              <a:t>2017/6/13</a:t>
+              <a:t>2017/6/14</a:t>
             </a:fld>
             <a:endParaRPr lang="zh-CN" altLang="en-US" dirty="0"/>
           </a:p>
@@ -1647,7 +1646,7 @@
                 <a:ea typeface="幼圆" pitchFamily="49" charset="-122"/>
               </a:rPr>
               <a:pPr algn="r" eaLnBrk="1" latinLnBrk="1" hangingPunct="1"/>
-              <a:t>11</a:t>
+              <a:t>10</a:t>
             </a:fld>
             <a:endParaRPr lang="zh-CN" altLang="en-US" sz="1200">
               <a:ea typeface="幼圆" pitchFamily="49" charset="-122"/>
@@ -1928,7 +1927,7 @@
                 <a:ea typeface="幼圆" pitchFamily="49" charset="-122"/>
               </a:rPr>
               <a:pPr algn="r" eaLnBrk="1" latinLnBrk="1" hangingPunct="1"/>
-              <a:t>12</a:t>
+              <a:t>11</a:t>
             </a:fld>
             <a:endParaRPr lang="zh-CN" altLang="en-US" sz="1200">
               <a:ea typeface="幼圆" pitchFamily="49" charset="-122"/>
@@ -1988,7 +1987,7 @@
               <a:pPr>
                 <a:defRPr/>
               </a:pPr>
-              <a:t>2017/6/13</a:t>
+              <a:t>2017/6/14</a:t>
             </a:fld>
             <a:endParaRPr lang="zh-CN" altLang="en-US" dirty="0"/>
           </a:p>
@@ -2284,7 +2283,7 @@
               <a:pPr>
                 <a:defRPr/>
               </a:pPr>
-              <a:t>2017/6/13</a:t>
+              <a:t>2017/6/14</a:t>
             </a:fld>
             <a:endParaRPr lang="zh-CN" altLang="en-US" dirty="0"/>
           </a:p>
@@ -3740,777 +3739,6 @@
           <a:chExt cx="0" cy="0"/>
         </a:xfrm>
       </p:grpSpPr>
-      <p:pic>
-        <p:nvPicPr>
-          <p:cNvPr id="11266" name="圖片 1"/>
-          <p:cNvPicPr>
-            <a:picLocks noChangeAspect="1"/>
-          </p:cNvPicPr>
-          <p:nvPr/>
-        </p:nvPicPr>
-        <p:blipFill>
-          <a:blip r:embed="rId2">
-            <a:extLst>
-              <a:ext uri="{28A0092B-C50C-407E-A947-70E740481C1C}">
-                <a14:useLocalDpi xmlns:a14="http://schemas.microsoft.com/office/drawing/2010/main" val="0"/>
-              </a:ext>
-            </a:extLst>
-          </a:blip>
-          <a:srcRect t="87230" r="53688" b="-2"/>
-          <a:stretch>
-            <a:fillRect/>
-          </a:stretch>
-        </p:blipFill>
-        <p:spPr bwMode="auto">
-          <a:xfrm>
-            <a:off x="26988" y="2463800"/>
-            <a:ext cx="12693650" cy="1984375"/>
-          </a:xfrm>
-          <a:prstGeom prst="rect">
-            <a:avLst/>
-          </a:prstGeom>
-          <a:noFill/>
-          <a:ln>
-            <a:noFill/>
-          </a:ln>
-          <a:extLst>
-            <a:ext uri="{909E8E84-426E-40DD-AFC4-6F175D3DCCD1}">
-              <a14:hiddenFill xmlns:a14="http://schemas.microsoft.com/office/drawing/2010/main">
-                <a:solidFill>
-                  <a:srgbClr val="FFFFFF"/>
-                </a:solidFill>
-              </a14:hiddenFill>
-            </a:ext>
-            <a:ext uri="{91240B29-F687-4F45-9708-019B960494DF}">
-              <a14:hiddenLine xmlns:a14="http://schemas.microsoft.com/office/drawing/2010/main" w="9525">
-                <a:solidFill>
-                  <a:srgbClr val="000000"/>
-                </a:solidFill>
-                <a:miter lim="800000"/>
-                <a:headEnd/>
-                <a:tailEnd/>
-              </a14:hiddenLine>
-            </a:ext>
-          </a:extLst>
-        </p:spPr>
-      </p:pic>
-      <p:sp>
-        <p:nvSpPr>
-          <p:cNvPr id="4" name="文字方塊 3"/>
-          <p:cNvSpPr txBox="1"/>
-          <p:nvPr/>
-        </p:nvSpPr>
-        <p:spPr>
-          <a:xfrm>
-            <a:off x="1844675" y="409575"/>
-            <a:ext cx="2646363" cy="584200"/>
-          </a:xfrm>
-          <a:prstGeom prst="rect">
-            <a:avLst/>
-          </a:prstGeom>
-          <a:noFill/>
-        </p:spPr>
-        <p:txBody>
-          <a:bodyPr wrap="none">
-            <a:spAutoFit/>
-          </a:bodyPr>
-          <a:lstStyle/>
-          <a:p>
-            <a:pPr>
-              <a:defRPr/>
-            </a:pPr>
-            <a:r>
-              <a:rPr lang="zh-TW" altLang="en-US" sz="3200" dirty="0">
-                <a:solidFill>
-                  <a:schemeClr val="bg1"/>
-                </a:solidFill>
-                <a:latin typeface="+mn-ea"/>
-                <a:ea typeface="+mn-ea"/>
-              </a:rPr>
-              <a:t>進行檔案解密</a:t>
-            </a:r>
-          </a:p>
-        </p:txBody>
-      </p:sp>
-      <p:grpSp>
-        <p:nvGrpSpPr>
-          <p:cNvPr id="11268" name="组合 9"/>
-          <p:cNvGrpSpPr>
-            <a:grpSpLocks/>
-          </p:cNvGrpSpPr>
-          <p:nvPr/>
-        </p:nvGrpSpPr>
-        <p:grpSpPr bwMode="auto">
-          <a:xfrm>
-            <a:off x="0" y="-704850"/>
-            <a:ext cx="9140825" cy="2874963"/>
-            <a:chOff x="0" y="-704344"/>
-            <a:chExt cx="9140061" cy="2875208"/>
-          </a:xfrm>
-        </p:grpSpPr>
-        <p:grpSp>
-          <p:nvGrpSpPr>
-            <p:cNvPr id="11269" name="组合 3"/>
-            <p:cNvGrpSpPr>
-              <a:grpSpLocks/>
-            </p:cNvGrpSpPr>
-            <p:nvPr/>
-          </p:nvGrpSpPr>
-          <p:grpSpPr bwMode="auto">
-            <a:xfrm>
-              <a:off x="0" y="-488131"/>
-              <a:ext cx="2392916" cy="2204722"/>
-              <a:chOff x="1444172" y="591989"/>
-              <a:chExt cx="5705283" cy="5256584"/>
-            </a:xfrm>
-          </p:grpSpPr>
-          <p:sp>
-            <p:nvSpPr>
-              <p:cNvPr id="13" name="任意多边形: 形状 63"/>
-              <p:cNvSpPr/>
-              <p:nvPr/>
-            </p:nvSpPr>
-            <p:spPr>
-              <a:xfrm>
-                <a:off x="1902117" y="2404446"/>
-                <a:ext cx="3591644" cy="3444625"/>
-              </a:xfrm>
-              <a:custGeom>
-                <a:avLst/>
-                <a:gdLst>
-                  <a:gd name="connsiteX0" fmla="*/ 0 w 3592285"/>
-                  <a:gd name="connsiteY0" fmla="*/ 699796 h 3442996"/>
-                  <a:gd name="connsiteX1" fmla="*/ 3592285 w 3592285"/>
-                  <a:gd name="connsiteY1" fmla="*/ 0 h 3442996"/>
-                  <a:gd name="connsiteX2" fmla="*/ 2425959 w 3592285"/>
-                  <a:gd name="connsiteY2" fmla="*/ 3442996 h 3442996"/>
-                  <a:gd name="connsiteX3" fmla="*/ 0 w 3592285"/>
-                  <a:gd name="connsiteY3" fmla="*/ 699796 h 3442996"/>
-                </a:gdLst>
-                <a:ahLst/>
-                <a:cxnLst>
-                  <a:cxn ang="0">
-                    <a:pos x="connsiteX0" y="connsiteY0"/>
-                  </a:cxn>
-                  <a:cxn ang="0">
-                    <a:pos x="connsiteX1" y="connsiteY1"/>
-                  </a:cxn>
-                  <a:cxn ang="0">
-                    <a:pos x="connsiteX2" y="connsiteY2"/>
-                  </a:cxn>
-                  <a:cxn ang="0">
-                    <a:pos x="connsiteX3" y="connsiteY3"/>
-                  </a:cxn>
-                </a:cxnLst>
-                <a:rect l="l" t="t" r="r" b="b"/>
-                <a:pathLst>
-                  <a:path w="3592285" h="3442996">
-                    <a:moveTo>
-                      <a:pt x="0" y="699796"/>
-                    </a:moveTo>
-                    <a:lnTo>
-                      <a:pt x="3592285" y="0"/>
-                    </a:lnTo>
-                    <a:lnTo>
-                      <a:pt x="2425959" y="3442996"/>
-                    </a:lnTo>
-                    <a:lnTo>
-                      <a:pt x="0" y="699796"/>
-                    </a:lnTo>
-                    <a:close/>
-                  </a:path>
-                </a:pathLst>
-              </a:custGeom>
-              <a:solidFill>
-                <a:schemeClr val="bg1">
-                  <a:alpha val="20000"/>
-                </a:schemeClr>
-              </a:solidFill>
-              <a:ln>
-                <a:noFill/>
-              </a:ln>
-            </p:spPr>
-            <p:style>
-              <a:lnRef idx="2">
-                <a:schemeClr val="accent1">
-                  <a:shade val="50000"/>
-                </a:schemeClr>
-              </a:lnRef>
-              <a:fillRef idx="1">
-                <a:schemeClr val="accent1"/>
-              </a:fillRef>
-              <a:effectRef idx="0">
-                <a:schemeClr val="accent1"/>
-              </a:effectRef>
-              <a:fontRef idx="minor">
-                <a:schemeClr val="lt1"/>
-              </a:fontRef>
-            </p:style>
-            <p:txBody>
-              <a:bodyPr anchor="ctr"/>
-              <a:lstStyle/>
-              <a:p>
-                <a:pPr algn="ctr">
-                  <a:defRPr/>
-                </a:pPr>
-                <a:endParaRPr lang="zh-CN" altLang="en-US" dirty="0">
-                  <a:ea typeface="幼圆" panose="02010509060101010101" pitchFamily="49" charset="-122"/>
-                </a:endParaRPr>
-              </a:p>
-            </p:txBody>
-          </p:sp>
-          <p:sp>
-            <p:nvSpPr>
-              <p:cNvPr id="14" name="任意多边形: 形状 64"/>
-              <p:cNvSpPr/>
-              <p:nvPr/>
-            </p:nvSpPr>
-            <p:spPr>
-              <a:xfrm>
-                <a:off x="3404627" y="2048628"/>
-                <a:ext cx="1267863" cy="965251"/>
-              </a:xfrm>
-              <a:custGeom>
-                <a:avLst/>
-                <a:gdLst>
-                  <a:gd name="connsiteX0" fmla="*/ 0 w 1270000"/>
-                  <a:gd name="connsiteY0" fmla="*/ 965200 h 965200"/>
-                  <a:gd name="connsiteX1" fmla="*/ 1035050 w 1270000"/>
-                  <a:gd name="connsiteY1" fmla="*/ 0 h 965200"/>
-                  <a:gd name="connsiteX2" fmla="*/ 1270000 w 1270000"/>
-                  <a:gd name="connsiteY2" fmla="*/ 933450 h 965200"/>
-                </a:gdLst>
-                <a:ahLst/>
-                <a:cxnLst>
-                  <a:cxn ang="0">
-                    <a:pos x="connsiteX0" y="connsiteY0"/>
-                  </a:cxn>
-                  <a:cxn ang="0">
-                    <a:pos x="connsiteX1" y="connsiteY1"/>
-                  </a:cxn>
-                  <a:cxn ang="0">
-                    <a:pos x="connsiteX2" y="connsiteY2"/>
-                  </a:cxn>
-                </a:cxnLst>
-                <a:rect l="l" t="t" r="r" b="b"/>
-                <a:pathLst>
-                  <a:path w="1270000" h="965200">
-                    <a:moveTo>
-                      <a:pt x="0" y="965200"/>
-                    </a:moveTo>
-                    <a:lnTo>
-                      <a:pt x="1035050" y="0"/>
-                    </a:lnTo>
-                    <a:lnTo>
-                      <a:pt x="1270000" y="933450"/>
-                    </a:lnTo>
-                  </a:path>
-                </a:pathLst>
-              </a:custGeom>
-              <a:noFill/>
-              <a:ln w="12700">
-                <a:solidFill>
-                  <a:schemeClr val="bg1"/>
-                </a:solidFill>
-              </a:ln>
-            </p:spPr>
-            <p:style>
-              <a:lnRef idx="2">
-                <a:schemeClr val="accent1">
-                  <a:shade val="50000"/>
-                </a:schemeClr>
-              </a:lnRef>
-              <a:fillRef idx="1">
-                <a:schemeClr val="accent1"/>
-              </a:fillRef>
-              <a:effectRef idx="0">
-                <a:schemeClr val="accent1"/>
-              </a:effectRef>
-              <a:fontRef idx="minor">
-                <a:schemeClr val="lt1"/>
-              </a:fontRef>
-            </p:style>
-            <p:txBody>
-              <a:bodyPr anchor="ctr"/>
-              <a:lstStyle/>
-              <a:p>
-                <a:pPr algn="ctr">
-                  <a:defRPr/>
-                </a:pPr>
-                <a:endParaRPr lang="zh-CN" altLang="en-US" dirty="0">
-                  <a:ea typeface="幼圆" panose="02010509060101010101" pitchFamily="49" charset="-122"/>
-                </a:endParaRPr>
-              </a:p>
-            </p:txBody>
-          </p:sp>
-          <p:sp>
-            <p:nvSpPr>
-              <p:cNvPr id="15" name="任意多边形: 形状 65"/>
-              <p:cNvSpPr/>
-              <p:nvPr/>
-            </p:nvSpPr>
-            <p:spPr>
-              <a:xfrm>
-                <a:off x="1833993" y="3793651"/>
-                <a:ext cx="3459182" cy="1752596"/>
-              </a:xfrm>
-              <a:custGeom>
-                <a:avLst/>
-                <a:gdLst>
-                  <a:gd name="connsiteX0" fmla="*/ 733425 w 3457575"/>
-                  <a:gd name="connsiteY0" fmla="*/ 0 h 1752600"/>
-                  <a:gd name="connsiteX1" fmla="*/ 0 w 3457575"/>
-                  <a:gd name="connsiteY1" fmla="*/ 733425 h 1752600"/>
-                  <a:gd name="connsiteX2" fmla="*/ 3457575 w 3457575"/>
-                  <a:gd name="connsiteY2" fmla="*/ 1752600 h 1752600"/>
-                  <a:gd name="connsiteX3" fmla="*/ 3305175 w 3457575"/>
-                  <a:gd name="connsiteY3" fmla="*/ 1114425 h 1752600"/>
-                </a:gdLst>
-                <a:ahLst/>
-                <a:cxnLst>
-                  <a:cxn ang="0">
-                    <a:pos x="connsiteX0" y="connsiteY0"/>
-                  </a:cxn>
-                  <a:cxn ang="0">
-                    <a:pos x="connsiteX1" y="connsiteY1"/>
-                  </a:cxn>
-                  <a:cxn ang="0">
-                    <a:pos x="connsiteX2" y="connsiteY2"/>
-                  </a:cxn>
-                  <a:cxn ang="0">
-                    <a:pos x="connsiteX3" y="connsiteY3"/>
-                  </a:cxn>
-                </a:cxnLst>
-                <a:rect l="l" t="t" r="r" b="b"/>
-                <a:pathLst>
-                  <a:path w="3457575" h="1752600">
-                    <a:moveTo>
-                      <a:pt x="733425" y="0"/>
-                    </a:moveTo>
-                    <a:lnTo>
-                      <a:pt x="0" y="733425"/>
-                    </a:lnTo>
-                    <a:lnTo>
-                      <a:pt x="3457575" y="1752600"/>
-                    </a:lnTo>
-                    <a:lnTo>
-                      <a:pt x="3305175" y="1114425"/>
-                    </a:lnTo>
-                  </a:path>
-                </a:pathLst>
-              </a:custGeom>
-              <a:noFill/>
-              <a:ln w="12700">
-                <a:solidFill>
-                  <a:schemeClr val="bg1"/>
-                </a:solidFill>
-              </a:ln>
-            </p:spPr>
-            <p:style>
-              <a:lnRef idx="2">
-                <a:schemeClr val="accent1">
-                  <a:shade val="50000"/>
-                </a:schemeClr>
-              </a:lnRef>
-              <a:fillRef idx="1">
-                <a:schemeClr val="accent1"/>
-              </a:fillRef>
-              <a:effectRef idx="0">
-                <a:schemeClr val="accent1"/>
-              </a:effectRef>
-              <a:fontRef idx="minor">
-                <a:schemeClr val="lt1"/>
-              </a:fontRef>
-            </p:style>
-            <p:txBody>
-              <a:bodyPr anchor="ctr"/>
-              <a:lstStyle/>
-              <a:p>
-                <a:pPr algn="ctr">
-                  <a:defRPr/>
-                </a:pPr>
-                <a:endParaRPr lang="zh-CN" altLang="en-US" dirty="0">
-                  <a:ea typeface="幼圆" panose="02010509060101010101" pitchFamily="49" charset="-122"/>
-                </a:endParaRPr>
-              </a:p>
-            </p:txBody>
-          </p:sp>
-          <p:cxnSp>
-            <p:nvCxnSpPr>
-              <p:cNvPr id="16" name="直接连接符 66"/>
-              <p:cNvCxnSpPr/>
-              <p:nvPr/>
-            </p:nvCxnSpPr>
-            <p:spPr>
-              <a:xfrm flipH="1">
-                <a:off x="4767106" y="4531786"/>
-                <a:ext cx="719086" cy="722992"/>
-              </a:xfrm>
-              <a:prstGeom prst="line">
-                <a:avLst/>
-              </a:prstGeom>
-              <a:ln w="12700">
-                <a:solidFill>
-                  <a:schemeClr val="bg1"/>
-                </a:solidFill>
-              </a:ln>
-            </p:spPr>
-            <p:style>
-              <a:lnRef idx="1">
-                <a:schemeClr val="accent1"/>
-              </a:lnRef>
-              <a:fillRef idx="0">
-                <a:schemeClr val="accent1"/>
-              </a:fillRef>
-              <a:effectRef idx="0">
-                <a:schemeClr val="accent1"/>
-              </a:effectRef>
-              <a:fontRef idx="minor">
-                <a:schemeClr val="tx1"/>
-              </a:fontRef>
-            </p:style>
-          </p:cxnSp>
-          <p:cxnSp>
-            <p:nvCxnSpPr>
-              <p:cNvPr id="17" name="直接连接符 68"/>
-              <p:cNvCxnSpPr/>
-              <p:nvPr/>
-            </p:nvCxnSpPr>
-            <p:spPr>
-              <a:xfrm flipH="1">
-                <a:off x="1444172" y="4028340"/>
-                <a:ext cx="1669037" cy="1586043"/>
-              </a:xfrm>
-              <a:prstGeom prst="line">
-                <a:avLst/>
-              </a:prstGeom>
-              <a:ln w="12700">
-                <a:solidFill>
-                  <a:schemeClr val="bg1"/>
-                </a:solidFill>
-              </a:ln>
-            </p:spPr>
-            <p:style>
-              <a:lnRef idx="1">
-                <a:schemeClr val="accent1"/>
-              </a:lnRef>
-              <a:fillRef idx="0">
-                <a:schemeClr val="accent1"/>
-              </a:fillRef>
-              <a:effectRef idx="0">
-                <a:schemeClr val="accent1"/>
-              </a:effectRef>
-              <a:fontRef idx="minor">
-                <a:schemeClr val="tx1"/>
-              </a:fontRef>
-            </p:style>
-          </p:cxnSp>
-          <p:sp>
-            <p:nvSpPr>
-              <p:cNvPr id="18" name="任意多边形: 形状 69"/>
-              <p:cNvSpPr/>
-              <p:nvPr/>
-            </p:nvSpPr>
-            <p:spPr>
-              <a:xfrm>
-                <a:off x="4119930" y="2200040"/>
-                <a:ext cx="374680" cy="370960"/>
-              </a:xfrm>
-              <a:custGeom>
-                <a:avLst/>
-                <a:gdLst>
-                  <a:gd name="connsiteX0" fmla="*/ 0 w 374650"/>
-                  <a:gd name="connsiteY0" fmla="*/ 260350 h 368300"/>
-                  <a:gd name="connsiteX1" fmla="*/ 279400 w 374650"/>
-                  <a:gd name="connsiteY1" fmla="*/ 0 h 368300"/>
-                  <a:gd name="connsiteX2" fmla="*/ 374650 w 374650"/>
-                  <a:gd name="connsiteY2" fmla="*/ 368300 h 368300"/>
-                  <a:gd name="connsiteX3" fmla="*/ 0 w 374650"/>
-                  <a:gd name="connsiteY3" fmla="*/ 260350 h 368300"/>
-                </a:gdLst>
-                <a:ahLst/>
-                <a:cxnLst>
-                  <a:cxn ang="0">
-                    <a:pos x="connsiteX0" y="connsiteY0"/>
-                  </a:cxn>
-                  <a:cxn ang="0">
-                    <a:pos x="connsiteX1" y="connsiteY1"/>
-                  </a:cxn>
-                  <a:cxn ang="0">
-                    <a:pos x="connsiteX2" y="connsiteY2"/>
-                  </a:cxn>
-                  <a:cxn ang="0">
-                    <a:pos x="connsiteX3" y="connsiteY3"/>
-                  </a:cxn>
-                </a:cxnLst>
-                <a:rect l="l" t="t" r="r" b="b"/>
-                <a:pathLst>
-                  <a:path w="374650" h="368300">
-                    <a:moveTo>
-                      <a:pt x="0" y="260350"/>
-                    </a:moveTo>
-                    <a:lnTo>
-                      <a:pt x="279400" y="0"/>
-                    </a:lnTo>
-                    <a:lnTo>
-                      <a:pt x="374650" y="368300"/>
-                    </a:lnTo>
-                    <a:lnTo>
-                      <a:pt x="0" y="260350"/>
-                    </a:lnTo>
-                    <a:close/>
-                  </a:path>
-                </a:pathLst>
-              </a:custGeom>
-              <a:solidFill>
-                <a:schemeClr val="bg1"/>
-              </a:solidFill>
-              <a:ln>
-                <a:noFill/>
-              </a:ln>
-            </p:spPr>
-            <p:style>
-              <a:lnRef idx="2">
-                <a:schemeClr val="accent1">
-                  <a:shade val="50000"/>
-                </a:schemeClr>
-              </a:lnRef>
-              <a:fillRef idx="1">
-                <a:schemeClr val="accent1"/>
-              </a:fillRef>
-              <a:effectRef idx="0">
-                <a:schemeClr val="accent1"/>
-              </a:effectRef>
-              <a:fontRef idx="minor">
-                <a:schemeClr val="lt1"/>
-              </a:fontRef>
-            </p:style>
-            <p:txBody>
-              <a:bodyPr anchor="ctr"/>
-              <a:lstStyle/>
-              <a:p>
-                <a:pPr algn="ctr">
-                  <a:defRPr/>
-                </a:pPr>
-                <a:endParaRPr lang="zh-CN" altLang="en-US" dirty="0">
-                  <a:ea typeface="幼圆" panose="02010509060101010101" pitchFamily="49" charset="-122"/>
-                </a:endParaRPr>
-              </a:p>
-            </p:txBody>
-          </p:sp>
-          <p:cxnSp>
-            <p:nvCxnSpPr>
-              <p:cNvPr id="19" name="直接连接符 71"/>
-              <p:cNvCxnSpPr/>
-              <p:nvPr/>
-            </p:nvCxnSpPr>
-            <p:spPr>
-              <a:xfrm flipH="1">
-                <a:off x="4676274" y="591286"/>
-                <a:ext cx="2471386" cy="2392311"/>
-              </a:xfrm>
-              <a:prstGeom prst="line">
-                <a:avLst/>
-              </a:prstGeom>
-              <a:ln w="12700">
-                <a:solidFill>
-                  <a:schemeClr val="bg1"/>
-                </a:solidFill>
-              </a:ln>
-            </p:spPr>
-            <p:style>
-              <a:lnRef idx="1">
-                <a:schemeClr val="accent1"/>
-              </a:lnRef>
-              <a:fillRef idx="0">
-                <a:schemeClr val="accent1"/>
-              </a:fillRef>
-              <a:effectRef idx="0">
-                <a:schemeClr val="accent1"/>
-              </a:effectRef>
-              <a:fontRef idx="minor">
-                <a:schemeClr val="tx1"/>
-              </a:fontRef>
-            </p:style>
-          </p:cxnSp>
-        </p:grpSp>
-        <p:cxnSp>
-          <p:nvCxnSpPr>
-            <p:cNvPr id="9" name="直接连接符 5"/>
-            <p:cNvCxnSpPr/>
-            <p:nvPr/>
-          </p:nvCxnSpPr>
-          <p:spPr>
-            <a:xfrm>
-              <a:off x="1696896" y="1164303"/>
-              <a:ext cx="6892349" cy="0"/>
-            </a:xfrm>
-            <a:prstGeom prst="line">
-              <a:avLst/>
-            </a:prstGeom>
-            <a:ln>
-              <a:solidFill>
-                <a:schemeClr val="bg1"/>
-              </a:solidFill>
-            </a:ln>
-          </p:spPr>
-          <p:style>
-            <a:lnRef idx="1">
-              <a:schemeClr val="accent1"/>
-            </a:lnRef>
-            <a:fillRef idx="0">
-              <a:schemeClr val="accent1"/>
-            </a:fillRef>
-            <a:effectRef idx="0">
-              <a:schemeClr val="accent1"/>
-            </a:effectRef>
-            <a:fontRef idx="minor">
-              <a:schemeClr val="tx1"/>
-            </a:fontRef>
-          </p:style>
-        </p:cxnSp>
-        <p:sp>
-          <p:nvSpPr>
-            <p:cNvPr id="11" name="椭圆 8"/>
-            <p:cNvSpPr/>
-            <p:nvPr/>
-          </p:nvSpPr>
-          <p:spPr>
-            <a:xfrm>
-              <a:off x="8589245" y="1056344"/>
-              <a:ext cx="215882" cy="215918"/>
-            </a:xfrm>
-            <a:prstGeom prst="ellipse">
-              <a:avLst/>
-            </a:prstGeom>
-            <a:solidFill>
-              <a:schemeClr val="bg1">
-                <a:alpha val="40000"/>
-              </a:schemeClr>
-            </a:solidFill>
-            <a:ln>
-              <a:noFill/>
-            </a:ln>
-          </p:spPr>
-          <p:style>
-            <a:lnRef idx="2">
-              <a:schemeClr val="accent1">
-                <a:shade val="50000"/>
-              </a:schemeClr>
-            </a:lnRef>
-            <a:fillRef idx="1">
-              <a:schemeClr val="accent1"/>
-            </a:fillRef>
-            <a:effectRef idx="0">
-              <a:schemeClr val="accent1"/>
-            </a:effectRef>
-            <a:fontRef idx="minor">
-              <a:schemeClr val="lt1"/>
-            </a:fontRef>
-          </p:style>
-          <p:txBody>
-            <a:bodyPr anchor="ctr"/>
-            <a:lstStyle/>
-            <a:p>
-              <a:pPr algn="ctr">
-                <a:defRPr/>
-              </a:pPr>
-              <a:endParaRPr lang="zh-CN" altLang="en-US" dirty="0">
-                <a:ea typeface="幼圆" panose="02010509060101010101" pitchFamily="49" charset="-122"/>
-              </a:endParaRPr>
-            </a:p>
-          </p:txBody>
-        </p:sp>
-        <p:pic>
-          <p:nvPicPr>
-            <p:cNvPr id="11272" name="图片 74"/>
-            <p:cNvPicPr>
-              <a:picLocks noChangeAspect="1"/>
-            </p:cNvPicPr>
-            <p:nvPr/>
-          </p:nvPicPr>
-          <p:blipFill>
-            <a:blip r:embed="rId3">
-              <a:extLst>
-                <a:ext uri="{28A0092B-C50C-407E-A947-70E740481C1C}">
-                  <a14:useLocalDpi xmlns:a14="http://schemas.microsoft.com/office/drawing/2010/main" val="0"/>
-                </a:ext>
-              </a:extLst>
-            </a:blip>
-            <a:srcRect/>
-            <a:stretch>
-              <a:fillRect/>
-            </a:stretch>
-          </p:blipFill>
-          <p:spPr bwMode="auto">
-            <a:xfrm rot="506853">
-              <a:off x="4028581" y="-704344"/>
-              <a:ext cx="5111480" cy="2875208"/>
-            </a:xfrm>
-            <a:prstGeom prst="rect">
-              <a:avLst/>
-            </a:prstGeom>
-            <a:noFill/>
-            <a:ln>
-              <a:noFill/>
-            </a:ln>
-            <a:extLst>
-              <a:ext uri="{909E8E84-426E-40DD-AFC4-6F175D3DCCD1}">
-                <a14:hiddenFill xmlns:a14="http://schemas.microsoft.com/office/drawing/2010/main">
-                  <a:solidFill>
-                    <a:srgbClr val="FFFFFF"/>
-                  </a:solidFill>
-                </a14:hiddenFill>
-              </a:ext>
-              <a:ext uri="{91240B29-F687-4F45-9708-019B960494DF}">
-                <a14:hiddenLine xmlns:a14="http://schemas.microsoft.com/office/drawing/2010/main" w="9525">
-                  <a:solidFill>
-                    <a:srgbClr val="000000"/>
-                  </a:solidFill>
-                  <a:miter lim="800000"/>
-                  <a:headEnd/>
-                  <a:tailEnd/>
-                </a14:hiddenLine>
-              </a:ext>
-            </a:extLst>
-          </p:spPr>
-        </p:pic>
-      </p:grpSp>
-    </p:spTree>
-  </p:cSld>
-  <p:clrMapOvr>
-    <a:masterClrMapping/>
-  </p:clrMapOvr>
-  <p:transition spd="slow" advTm="9601">
-    <p:fade/>
-  </p:transition>
-  <p:timing>
-    <p:tnLst>
-      <p:par>
-        <p:cTn id="1" dur="indefinite" restart="never" nodeType="tmRoot"/>
-      </p:par>
-    </p:tnLst>
-  </p:timing>
-</p:sld>
-</file>
-
-<file path=ppt/slides/slide11.xml><?xml version="1.0" encoding="utf-8"?>
-<p:sld xmlns:a="http://schemas.openxmlformats.org/drawingml/2006/main" xmlns:r="http://schemas.openxmlformats.org/officeDocument/2006/relationships" xmlns:p="http://schemas.openxmlformats.org/presentationml/2006/main">
-  <p:cSld>
-    <p:spTree>
-      <p:nvGrpSpPr>
-        <p:cNvPr id="1" name=""/>
-        <p:cNvGrpSpPr/>
-        <p:nvPr/>
-      </p:nvGrpSpPr>
-      <p:grpSpPr>
-        <a:xfrm>
-          <a:off x="0" y="0"/>
-          <a:ext cx="0" cy="0"/>
-          <a:chOff x="0" y="0"/>
-          <a:chExt cx="0" cy="0"/>
-        </a:xfrm>
-      </p:grpSpPr>
       <p:sp>
         <p:nvSpPr>
           <p:cNvPr id="8" name="任意多边形: 形状 7"/>
@@ -5141,7 +4369,7 @@
 </p:sld>
 </file>
 
-<file path=ppt/slides/slide12.xml><?xml version="1.0" encoding="utf-8"?>
+<file path=ppt/slides/slide11.xml><?xml version="1.0" encoding="utf-8"?>
 <p:sld xmlns:a="http://schemas.openxmlformats.org/drawingml/2006/main" xmlns:r="http://schemas.openxmlformats.org/officeDocument/2006/relationships" xmlns:p="http://schemas.openxmlformats.org/presentationml/2006/main">
   <p:cSld>
     <p:spTree>
@@ -11220,977 +10448,6 @@
       </p:grpSpPr>
       <p:pic>
         <p:nvPicPr>
-          <p:cNvPr id="7170" name="Picture 2"/>
-          <p:cNvPicPr>
-            <a:picLocks noChangeAspect="1" noChangeArrowheads="1"/>
-          </p:cNvPicPr>
-          <p:nvPr/>
-        </p:nvPicPr>
-        <p:blipFill>
-          <a:blip r:embed="rId2">
-            <a:extLst>
-              <a:ext uri="{28A0092B-C50C-407E-A947-70E740481C1C}">
-                <a14:useLocalDpi xmlns:a14="http://schemas.microsoft.com/office/drawing/2010/main" val="0"/>
-              </a:ext>
-            </a:extLst>
-          </a:blip>
-          <a:srcRect/>
-          <a:stretch>
-            <a:fillRect/>
-          </a:stretch>
-        </p:blipFill>
-        <p:spPr bwMode="auto">
-          <a:xfrm>
-            <a:off x="3405188" y="1493838"/>
-            <a:ext cx="4787900" cy="5553075"/>
-          </a:xfrm>
-          <a:prstGeom prst="rect">
-            <a:avLst/>
-          </a:prstGeom>
-          <a:noFill/>
-          <a:ln>
-            <a:noFill/>
-          </a:ln>
-          <a:effectLst/>
-          <a:extLst>
-            <a:ext uri="{909E8E84-426E-40DD-AFC4-6F175D3DCCD1}">
-              <a14:hiddenFill xmlns:a14="http://schemas.microsoft.com/office/drawing/2010/main">
-                <a:solidFill>
-                  <a:schemeClr val="accent1"/>
-                </a:solidFill>
-              </a14:hiddenFill>
-            </a:ext>
-            <a:ext uri="{91240B29-F687-4F45-9708-019B960494DF}">
-              <a14:hiddenLine xmlns:a14="http://schemas.microsoft.com/office/drawing/2010/main" w="9525">
-                <a:solidFill>
-                  <a:schemeClr val="tx1"/>
-                </a:solidFill>
-                <a:miter lim="800000"/>
-                <a:headEnd/>
-                <a:tailEnd/>
-              </a14:hiddenLine>
-            </a:ext>
-            <a:ext uri="{AF507438-7753-43E0-B8FC-AC1667EBCBE1}">
-              <a14:hiddenEffects xmlns:a14="http://schemas.microsoft.com/office/drawing/2010/main">
-                <a:effectLst>
-                  <a:outerShdw dist="35921" dir="2700000" algn="ctr" rotWithShape="0">
-                    <a:schemeClr val="bg2"/>
-                  </a:outerShdw>
-                </a:effectLst>
-              </a14:hiddenEffects>
-            </a:ext>
-          </a:extLst>
-        </p:spPr>
-      </p:pic>
-      <p:pic>
-        <p:nvPicPr>
-          <p:cNvPr id="7171" name="Picture 2"/>
-          <p:cNvPicPr>
-            <a:picLocks noChangeAspect="1" noChangeArrowheads="1"/>
-          </p:cNvPicPr>
-          <p:nvPr/>
-        </p:nvPicPr>
-        <p:blipFill>
-          <a:blip r:embed="rId3">
-            <a:extLst>
-              <a:ext uri="{28A0092B-C50C-407E-A947-70E740481C1C}">
-                <a14:useLocalDpi xmlns:a14="http://schemas.microsoft.com/office/drawing/2010/main" val="0"/>
-              </a:ext>
-            </a:extLst>
-          </a:blip>
-          <a:srcRect/>
-          <a:stretch>
-            <a:fillRect/>
-          </a:stretch>
-        </p:blipFill>
-        <p:spPr bwMode="auto">
-          <a:xfrm>
-            <a:off x="3817938" y="3255963"/>
-            <a:ext cx="3962400" cy="1819275"/>
-          </a:xfrm>
-          <a:prstGeom prst="rect">
-            <a:avLst/>
-          </a:prstGeom>
-          <a:noFill/>
-          <a:ln>
-            <a:noFill/>
-          </a:ln>
-          <a:effectLst/>
-          <a:extLst>
-            <a:ext uri="{909E8E84-426E-40DD-AFC4-6F175D3DCCD1}">
-              <a14:hiddenFill xmlns:a14="http://schemas.microsoft.com/office/drawing/2010/main">
-                <a:solidFill>
-                  <a:schemeClr val="accent1"/>
-                </a:solidFill>
-              </a14:hiddenFill>
-            </a:ext>
-            <a:ext uri="{91240B29-F687-4F45-9708-019B960494DF}">
-              <a14:hiddenLine xmlns:a14="http://schemas.microsoft.com/office/drawing/2010/main" w="9525">
-                <a:solidFill>
-                  <a:schemeClr val="tx1"/>
-                </a:solidFill>
-                <a:miter lim="800000"/>
-                <a:headEnd/>
-                <a:tailEnd/>
-              </a14:hiddenLine>
-            </a:ext>
-            <a:ext uri="{AF507438-7753-43E0-B8FC-AC1667EBCBE1}">
-              <a14:hiddenEffects xmlns:a14="http://schemas.microsoft.com/office/drawing/2010/main">
-                <a:effectLst>
-                  <a:outerShdw dist="35921" dir="2700000" algn="ctr" rotWithShape="0">
-                    <a:schemeClr val="bg2"/>
-                  </a:outerShdw>
-                </a:effectLst>
-              </a14:hiddenEffects>
-            </a:ext>
-          </a:extLst>
-        </p:spPr>
-      </p:pic>
-      <p:sp>
-        <p:nvSpPr>
-          <p:cNvPr id="7172" name="文字方塊 3"/>
-          <p:cNvSpPr txBox="1">
-            <a:spLocks noChangeArrowheads="1"/>
-          </p:cNvSpPr>
-          <p:nvPr/>
-        </p:nvSpPr>
-        <p:spPr bwMode="auto">
-          <a:xfrm>
-            <a:off x="2008188" y="515938"/>
-            <a:ext cx="3878262" cy="584200"/>
-          </a:xfrm>
-          <a:prstGeom prst="rect">
-            <a:avLst/>
-          </a:prstGeom>
-          <a:noFill/>
-          <a:ln>
-            <a:noFill/>
-          </a:ln>
-          <a:extLst>
-            <a:ext uri="{909E8E84-426E-40DD-AFC4-6F175D3DCCD1}">
-              <a14:hiddenFill xmlns:a14="http://schemas.microsoft.com/office/drawing/2010/main">
-                <a:solidFill>
-                  <a:srgbClr val="FFFFFF"/>
-                </a:solidFill>
-              </a14:hiddenFill>
-            </a:ext>
-            <a:ext uri="{91240B29-F687-4F45-9708-019B960494DF}">
-              <a14:hiddenLine xmlns:a14="http://schemas.microsoft.com/office/drawing/2010/main" w="9525">
-                <a:solidFill>
-                  <a:srgbClr val="000000"/>
-                </a:solidFill>
-                <a:miter lim="800000"/>
-                <a:headEnd/>
-                <a:tailEnd/>
-              </a14:hiddenLine>
-            </a:ext>
-          </a:extLst>
-        </p:spPr>
-        <p:txBody>
-          <a:bodyPr wrap="none">
-            <a:spAutoFit/>
-          </a:bodyPr>
-          <a:lstStyle>
-            <a:lvl1pPr eaLnBrk="0" hangingPunct="0">
-              <a:defRPr>
-                <a:solidFill>
-                  <a:schemeClr val="tx1"/>
-                </a:solidFill>
-                <a:latin typeface="Calibri" pitchFamily="34" charset="0"/>
-                <a:ea typeface="宋体" pitchFamily="2" charset="-122"/>
-              </a:defRPr>
-            </a:lvl1pPr>
-            <a:lvl2pPr marL="742950" indent="-285750" eaLnBrk="0" hangingPunct="0">
-              <a:defRPr>
-                <a:solidFill>
-                  <a:schemeClr val="tx1"/>
-                </a:solidFill>
-                <a:latin typeface="Calibri" pitchFamily="34" charset="0"/>
-                <a:ea typeface="宋体" pitchFamily="2" charset="-122"/>
-              </a:defRPr>
-            </a:lvl2pPr>
-            <a:lvl3pPr marL="1143000" indent="-228600" eaLnBrk="0" hangingPunct="0">
-              <a:defRPr>
-                <a:solidFill>
-                  <a:schemeClr val="tx1"/>
-                </a:solidFill>
-                <a:latin typeface="Calibri" pitchFamily="34" charset="0"/>
-                <a:ea typeface="宋体" pitchFamily="2" charset="-122"/>
-              </a:defRPr>
-            </a:lvl3pPr>
-            <a:lvl4pPr marL="1600200" indent="-228600" eaLnBrk="0" hangingPunct="0">
-              <a:defRPr>
-                <a:solidFill>
-                  <a:schemeClr val="tx1"/>
-                </a:solidFill>
-                <a:latin typeface="Calibri" pitchFamily="34" charset="0"/>
-                <a:ea typeface="宋体" pitchFamily="2" charset="-122"/>
-              </a:defRPr>
-            </a:lvl4pPr>
-            <a:lvl5pPr marL="2057400" indent="-228600" eaLnBrk="0" hangingPunct="0">
-              <a:defRPr>
-                <a:solidFill>
-                  <a:schemeClr val="tx1"/>
-                </a:solidFill>
-                <a:latin typeface="Calibri" pitchFamily="34" charset="0"/>
-                <a:ea typeface="宋体" pitchFamily="2" charset="-122"/>
-              </a:defRPr>
-            </a:lvl5pPr>
-            <a:lvl6pPr marL="2514600" indent="-228600" eaLnBrk="0" fontAlgn="base" hangingPunct="0">
-              <a:spcBef>
-                <a:spcPct val="0"/>
-              </a:spcBef>
-              <a:spcAft>
-                <a:spcPct val="0"/>
-              </a:spcAft>
-              <a:defRPr>
-                <a:solidFill>
-                  <a:schemeClr val="tx1"/>
-                </a:solidFill>
-                <a:latin typeface="Calibri" pitchFamily="34" charset="0"/>
-                <a:ea typeface="宋体" pitchFamily="2" charset="-122"/>
-              </a:defRPr>
-            </a:lvl6pPr>
-            <a:lvl7pPr marL="2971800" indent="-228600" eaLnBrk="0" fontAlgn="base" hangingPunct="0">
-              <a:spcBef>
-                <a:spcPct val="0"/>
-              </a:spcBef>
-              <a:spcAft>
-                <a:spcPct val="0"/>
-              </a:spcAft>
-              <a:defRPr>
-                <a:solidFill>
-                  <a:schemeClr val="tx1"/>
-                </a:solidFill>
-                <a:latin typeface="Calibri" pitchFamily="34" charset="0"/>
-                <a:ea typeface="宋体" pitchFamily="2" charset="-122"/>
-              </a:defRPr>
-            </a:lvl7pPr>
-            <a:lvl8pPr marL="3429000" indent="-228600" eaLnBrk="0" fontAlgn="base" hangingPunct="0">
-              <a:spcBef>
-                <a:spcPct val="0"/>
-              </a:spcBef>
-              <a:spcAft>
-                <a:spcPct val="0"/>
-              </a:spcAft>
-              <a:defRPr>
-                <a:solidFill>
-                  <a:schemeClr val="tx1"/>
-                </a:solidFill>
-                <a:latin typeface="Calibri" pitchFamily="34" charset="0"/>
-                <a:ea typeface="宋体" pitchFamily="2" charset="-122"/>
-              </a:defRPr>
-            </a:lvl8pPr>
-            <a:lvl9pPr marL="3886200" indent="-228600" eaLnBrk="0" fontAlgn="base" hangingPunct="0">
-              <a:spcBef>
-                <a:spcPct val="0"/>
-              </a:spcBef>
-              <a:spcAft>
-                <a:spcPct val="0"/>
-              </a:spcAft>
-              <a:defRPr>
-                <a:solidFill>
-                  <a:schemeClr val="tx1"/>
-                </a:solidFill>
-                <a:latin typeface="Calibri" pitchFamily="34" charset="0"/>
-                <a:ea typeface="宋体" pitchFamily="2" charset="-122"/>
-              </a:defRPr>
-            </a:lvl9pPr>
-          </a:lstStyle>
-          <a:p>
-            <a:pPr eaLnBrk="1" hangingPunct="1"/>
-            <a:r>
-              <a:rPr lang="zh-TW" altLang="en-US" sz="3200">
-                <a:solidFill>
-                  <a:schemeClr val="bg1"/>
-                </a:solidFill>
-              </a:rPr>
-              <a:t>限制下載及上傳速度</a:t>
-            </a:r>
-          </a:p>
-        </p:txBody>
-      </p:sp>
-      <p:grpSp>
-        <p:nvGrpSpPr>
-          <p:cNvPr id="7173" name="组合 9"/>
-          <p:cNvGrpSpPr>
-            <a:grpSpLocks/>
-          </p:cNvGrpSpPr>
-          <p:nvPr/>
-        </p:nvGrpSpPr>
-        <p:grpSpPr bwMode="auto">
-          <a:xfrm>
-            <a:off x="134938" y="-704850"/>
-            <a:ext cx="9140825" cy="2874963"/>
-            <a:chOff x="0" y="-704344"/>
-            <a:chExt cx="9140061" cy="2875208"/>
-          </a:xfrm>
-        </p:grpSpPr>
-        <p:grpSp>
-          <p:nvGrpSpPr>
-            <p:cNvPr id="7174" name="组合 3"/>
-            <p:cNvGrpSpPr>
-              <a:grpSpLocks/>
-            </p:cNvGrpSpPr>
-            <p:nvPr/>
-          </p:nvGrpSpPr>
-          <p:grpSpPr bwMode="auto">
-            <a:xfrm>
-              <a:off x="0" y="-488131"/>
-              <a:ext cx="2392916" cy="2204722"/>
-              <a:chOff x="1444172" y="591989"/>
-              <a:chExt cx="5705283" cy="5256584"/>
-            </a:xfrm>
-          </p:grpSpPr>
-          <p:sp>
-            <p:nvSpPr>
-              <p:cNvPr id="11" name="任意多边形: 形状 63"/>
-              <p:cNvSpPr/>
-              <p:nvPr/>
-            </p:nvSpPr>
-            <p:spPr>
-              <a:xfrm>
-                <a:off x="1902115" y="2404446"/>
-                <a:ext cx="3591646" cy="3444625"/>
-              </a:xfrm>
-              <a:custGeom>
-                <a:avLst/>
-                <a:gdLst>
-                  <a:gd name="connsiteX0" fmla="*/ 0 w 3592285"/>
-                  <a:gd name="connsiteY0" fmla="*/ 699796 h 3442996"/>
-                  <a:gd name="connsiteX1" fmla="*/ 3592285 w 3592285"/>
-                  <a:gd name="connsiteY1" fmla="*/ 0 h 3442996"/>
-                  <a:gd name="connsiteX2" fmla="*/ 2425959 w 3592285"/>
-                  <a:gd name="connsiteY2" fmla="*/ 3442996 h 3442996"/>
-                  <a:gd name="connsiteX3" fmla="*/ 0 w 3592285"/>
-                  <a:gd name="connsiteY3" fmla="*/ 699796 h 3442996"/>
-                </a:gdLst>
-                <a:ahLst/>
-                <a:cxnLst>
-                  <a:cxn ang="0">
-                    <a:pos x="connsiteX0" y="connsiteY0"/>
-                  </a:cxn>
-                  <a:cxn ang="0">
-                    <a:pos x="connsiteX1" y="connsiteY1"/>
-                  </a:cxn>
-                  <a:cxn ang="0">
-                    <a:pos x="connsiteX2" y="connsiteY2"/>
-                  </a:cxn>
-                  <a:cxn ang="0">
-                    <a:pos x="connsiteX3" y="connsiteY3"/>
-                  </a:cxn>
-                </a:cxnLst>
-                <a:rect l="l" t="t" r="r" b="b"/>
-                <a:pathLst>
-                  <a:path w="3592285" h="3442996">
-                    <a:moveTo>
-                      <a:pt x="0" y="699796"/>
-                    </a:moveTo>
-                    <a:lnTo>
-                      <a:pt x="3592285" y="0"/>
-                    </a:lnTo>
-                    <a:lnTo>
-                      <a:pt x="2425959" y="3442996"/>
-                    </a:lnTo>
-                    <a:lnTo>
-                      <a:pt x="0" y="699796"/>
-                    </a:lnTo>
-                    <a:close/>
-                  </a:path>
-                </a:pathLst>
-              </a:custGeom>
-              <a:solidFill>
-                <a:schemeClr val="bg1">
-                  <a:alpha val="20000"/>
-                </a:schemeClr>
-              </a:solidFill>
-              <a:ln>
-                <a:noFill/>
-              </a:ln>
-            </p:spPr>
-            <p:style>
-              <a:lnRef idx="2">
-                <a:schemeClr val="accent1">
-                  <a:shade val="50000"/>
-                </a:schemeClr>
-              </a:lnRef>
-              <a:fillRef idx="1">
-                <a:schemeClr val="accent1"/>
-              </a:fillRef>
-              <a:effectRef idx="0">
-                <a:schemeClr val="accent1"/>
-              </a:effectRef>
-              <a:fontRef idx="minor">
-                <a:schemeClr val="lt1"/>
-              </a:fontRef>
-            </p:style>
-            <p:txBody>
-              <a:bodyPr anchor="ctr"/>
-              <a:lstStyle/>
-              <a:p>
-                <a:pPr algn="ctr">
-                  <a:defRPr/>
-                </a:pPr>
-                <a:endParaRPr lang="zh-CN" altLang="en-US" dirty="0">
-                  <a:ea typeface="幼圆" panose="02010509060101010101" pitchFamily="49" charset="-122"/>
-                </a:endParaRPr>
-              </a:p>
-            </p:txBody>
-          </p:sp>
-          <p:sp>
-            <p:nvSpPr>
-              <p:cNvPr id="12" name="任意多边形: 形状 64"/>
-              <p:cNvSpPr/>
-              <p:nvPr/>
-            </p:nvSpPr>
-            <p:spPr>
-              <a:xfrm>
-                <a:off x="3404627" y="2048628"/>
-                <a:ext cx="1267861" cy="965251"/>
-              </a:xfrm>
-              <a:custGeom>
-                <a:avLst/>
-                <a:gdLst>
-                  <a:gd name="connsiteX0" fmla="*/ 0 w 1270000"/>
-                  <a:gd name="connsiteY0" fmla="*/ 965200 h 965200"/>
-                  <a:gd name="connsiteX1" fmla="*/ 1035050 w 1270000"/>
-                  <a:gd name="connsiteY1" fmla="*/ 0 h 965200"/>
-                  <a:gd name="connsiteX2" fmla="*/ 1270000 w 1270000"/>
-                  <a:gd name="connsiteY2" fmla="*/ 933450 h 965200"/>
-                </a:gdLst>
-                <a:ahLst/>
-                <a:cxnLst>
-                  <a:cxn ang="0">
-                    <a:pos x="connsiteX0" y="connsiteY0"/>
-                  </a:cxn>
-                  <a:cxn ang="0">
-                    <a:pos x="connsiteX1" y="connsiteY1"/>
-                  </a:cxn>
-                  <a:cxn ang="0">
-                    <a:pos x="connsiteX2" y="connsiteY2"/>
-                  </a:cxn>
-                </a:cxnLst>
-                <a:rect l="l" t="t" r="r" b="b"/>
-                <a:pathLst>
-                  <a:path w="1270000" h="965200">
-                    <a:moveTo>
-                      <a:pt x="0" y="965200"/>
-                    </a:moveTo>
-                    <a:lnTo>
-                      <a:pt x="1035050" y="0"/>
-                    </a:lnTo>
-                    <a:lnTo>
-                      <a:pt x="1270000" y="933450"/>
-                    </a:lnTo>
-                  </a:path>
-                </a:pathLst>
-              </a:custGeom>
-              <a:noFill/>
-              <a:ln w="12700">
-                <a:solidFill>
-                  <a:schemeClr val="bg1"/>
-                </a:solidFill>
-              </a:ln>
-            </p:spPr>
-            <p:style>
-              <a:lnRef idx="2">
-                <a:schemeClr val="accent1">
-                  <a:shade val="50000"/>
-                </a:schemeClr>
-              </a:lnRef>
-              <a:fillRef idx="1">
-                <a:schemeClr val="accent1"/>
-              </a:fillRef>
-              <a:effectRef idx="0">
-                <a:schemeClr val="accent1"/>
-              </a:effectRef>
-              <a:fontRef idx="minor">
-                <a:schemeClr val="lt1"/>
-              </a:fontRef>
-            </p:style>
-            <p:txBody>
-              <a:bodyPr anchor="ctr"/>
-              <a:lstStyle/>
-              <a:p>
-                <a:pPr algn="ctr">
-                  <a:defRPr/>
-                </a:pPr>
-                <a:endParaRPr lang="zh-CN" altLang="en-US" dirty="0">
-                  <a:ea typeface="幼圆" panose="02010509060101010101" pitchFamily="49" charset="-122"/>
-                </a:endParaRPr>
-              </a:p>
-            </p:txBody>
-          </p:sp>
-          <p:sp>
-            <p:nvSpPr>
-              <p:cNvPr id="13" name="任意多边形: 形状 65"/>
-              <p:cNvSpPr/>
-              <p:nvPr/>
-            </p:nvSpPr>
-            <p:spPr>
-              <a:xfrm>
-                <a:off x="1833991" y="3793651"/>
-                <a:ext cx="3459182" cy="1752596"/>
-              </a:xfrm>
-              <a:custGeom>
-                <a:avLst/>
-                <a:gdLst>
-                  <a:gd name="connsiteX0" fmla="*/ 733425 w 3457575"/>
-                  <a:gd name="connsiteY0" fmla="*/ 0 h 1752600"/>
-                  <a:gd name="connsiteX1" fmla="*/ 0 w 3457575"/>
-                  <a:gd name="connsiteY1" fmla="*/ 733425 h 1752600"/>
-                  <a:gd name="connsiteX2" fmla="*/ 3457575 w 3457575"/>
-                  <a:gd name="connsiteY2" fmla="*/ 1752600 h 1752600"/>
-                  <a:gd name="connsiteX3" fmla="*/ 3305175 w 3457575"/>
-                  <a:gd name="connsiteY3" fmla="*/ 1114425 h 1752600"/>
-                </a:gdLst>
-                <a:ahLst/>
-                <a:cxnLst>
-                  <a:cxn ang="0">
-                    <a:pos x="connsiteX0" y="connsiteY0"/>
-                  </a:cxn>
-                  <a:cxn ang="0">
-                    <a:pos x="connsiteX1" y="connsiteY1"/>
-                  </a:cxn>
-                  <a:cxn ang="0">
-                    <a:pos x="connsiteX2" y="connsiteY2"/>
-                  </a:cxn>
-                  <a:cxn ang="0">
-                    <a:pos x="connsiteX3" y="connsiteY3"/>
-                  </a:cxn>
-                </a:cxnLst>
-                <a:rect l="l" t="t" r="r" b="b"/>
-                <a:pathLst>
-                  <a:path w="3457575" h="1752600">
-                    <a:moveTo>
-                      <a:pt x="733425" y="0"/>
-                    </a:moveTo>
-                    <a:lnTo>
-                      <a:pt x="0" y="733425"/>
-                    </a:lnTo>
-                    <a:lnTo>
-                      <a:pt x="3457575" y="1752600"/>
-                    </a:lnTo>
-                    <a:lnTo>
-                      <a:pt x="3305175" y="1114425"/>
-                    </a:lnTo>
-                  </a:path>
-                </a:pathLst>
-              </a:custGeom>
-              <a:noFill/>
-              <a:ln w="12700">
-                <a:solidFill>
-                  <a:schemeClr val="bg1"/>
-                </a:solidFill>
-              </a:ln>
-            </p:spPr>
-            <p:style>
-              <a:lnRef idx="2">
-                <a:schemeClr val="accent1">
-                  <a:shade val="50000"/>
-                </a:schemeClr>
-              </a:lnRef>
-              <a:fillRef idx="1">
-                <a:schemeClr val="accent1"/>
-              </a:fillRef>
-              <a:effectRef idx="0">
-                <a:schemeClr val="accent1"/>
-              </a:effectRef>
-              <a:fontRef idx="minor">
-                <a:schemeClr val="lt1"/>
-              </a:fontRef>
-            </p:style>
-            <p:txBody>
-              <a:bodyPr anchor="ctr"/>
-              <a:lstStyle/>
-              <a:p>
-                <a:pPr algn="ctr">
-                  <a:defRPr/>
-                </a:pPr>
-                <a:endParaRPr lang="zh-CN" altLang="en-US" dirty="0">
-                  <a:ea typeface="幼圆" panose="02010509060101010101" pitchFamily="49" charset="-122"/>
-                </a:endParaRPr>
-              </a:p>
-            </p:txBody>
-          </p:sp>
-          <p:cxnSp>
-            <p:nvCxnSpPr>
-              <p:cNvPr id="14" name="直接连接符 66"/>
-              <p:cNvCxnSpPr/>
-              <p:nvPr/>
-            </p:nvCxnSpPr>
-            <p:spPr>
-              <a:xfrm flipH="1">
-                <a:off x="4767106" y="4531786"/>
-                <a:ext cx="719086" cy="722992"/>
-              </a:xfrm>
-              <a:prstGeom prst="line">
-                <a:avLst/>
-              </a:prstGeom>
-              <a:ln w="12700">
-                <a:solidFill>
-                  <a:schemeClr val="bg1"/>
-                </a:solidFill>
-              </a:ln>
-            </p:spPr>
-            <p:style>
-              <a:lnRef idx="1">
-                <a:schemeClr val="accent1"/>
-              </a:lnRef>
-              <a:fillRef idx="0">
-                <a:schemeClr val="accent1"/>
-              </a:fillRef>
-              <a:effectRef idx="0">
-                <a:schemeClr val="accent1"/>
-              </a:effectRef>
-              <a:fontRef idx="minor">
-                <a:schemeClr val="tx1"/>
-              </a:fontRef>
-            </p:style>
-          </p:cxnSp>
-          <p:cxnSp>
-            <p:nvCxnSpPr>
-              <p:cNvPr id="15" name="直接连接符 68"/>
-              <p:cNvCxnSpPr/>
-              <p:nvPr/>
-            </p:nvCxnSpPr>
-            <p:spPr>
-              <a:xfrm flipH="1">
-                <a:off x="1444172" y="4028340"/>
-                <a:ext cx="1669035" cy="1586043"/>
-              </a:xfrm>
-              <a:prstGeom prst="line">
-                <a:avLst/>
-              </a:prstGeom>
-              <a:ln w="12700">
-                <a:solidFill>
-                  <a:schemeClr val="bg1"/>
-                </a:solidFill>
-              </a:ln>
-            </p:spPr>
-            <p:style>
-              <a:lnRef idx="1">
-                <a:schemeClr val="accent1"/>
-              </a:lnRef>
-              <a:fillRef idx="0">
-                <a:schemeClr val="accent1"/>
-              </a:fillRef>
-              <a:effectRef idx="0">
-                <a:schemeClr val="accent1"/>
-              </a:effectRef>
-              <a:fontRef idx="minor">
-                <a:schemeClr val="tx1"/>
-              </a:fontRef>
-            </p:style>
-          </p:cxnSp>
-          <p:sp>
-            <p:nvSpPr>
-              <p:cNvPr id="16" name="任意多边形: 形状 69"/>
-              <p:cNvSpPr/>
-              <p:nvPr/>
-            </p:nvSpPr>
-            <p:spPr>
-              <a:xfrm>
-                <a:off x="4119927" y="2200040"/>
-                <a:ext cx="374683" cy="370960"/>
-              </a:xfrm>
-              <a:custGeom>
-                <a:avLst/>
-                <a:gdLst>
-                  <a:gd name="connsiteX0" fmla="*/ 0 w 374650"/>
-                  <a:gd name="connsiteY0" fmla="*/ 260350 h 368300"/>
-                  <a:gd name="connsiteX1" fmla="*/ 279400 w 374650"/>
-                  <a:gd name="connsiteY1" fmla="*/ 0 h 368300"/>
-                  <a:gd name="connsiteX2" fmla="*/ 374650 w 374650"/>
-                  <a:gd name="connsiteY2" fmla="*/ 368300 h 368300"/>
-                  <a:gd name="connsiteX3" fmla="*/ 0 w 374650"/>
-                  <a:gd name="connsiteY3" fmla="*/ 260350 h 368300"/>
-                </a:gdLst>
-                <a:ahLst/>
-                <a:cxnLst>
-                  <a:cxn ang="0">
-                    <a:pos x="connsiteX0" y="connsiteY0"/>
-                  </a:cxn>
-                  <a:cxn ang="0">
-                    <a:pos x="connsiteX1" y="connsiteY1"/>
-                  </a:cxn>
-                  <a:cxn ang="0">
-                    <a:pos x="connsiteX2" y="connsiteY2"/>
-                  </a:cxn>
-                  <a:cxn ang="0">
-                    <a:pos x="connsiteX3" y="connsiteY3"/>
-                  </a:cxn>
-                </a:cxnLst>
-                <a:rect l="l" t="t" r="r" b="b"/>
-                <a:pathLst>
-                  <a:path w="374650" h="368300">
-                    <a:moveTo>
-                      <a:pt x="0" y="260350"/>
-                    </a:moveTo>
-                    <a:lnTo>
-                      <a:pt x="279400" y="0"/>
-                    </a:lnTo>
-                    <a:lnTo>
-                      <a:pt x="374650" y="368300"/>
-                    </a:lnTo>
-                    <a:lnTo>
-                      <a:pt x="0" y="260350"/>
-                    </a:lnTo>
-                    <a:close/>
-                  </a:path>
-                </a:pathLst>
-              </a:custGeom>
-              <a:solidFill>
-                <a:schemeClr val="bg1"/>
-              </a:solidFill>
-              <a:ln>
-                <a:noFill/>
-              </a:ln>
-            </p:spPr>
-            <p:style>
-              <a:lnRef idx="2">
-                <a:schemeClr val="accent1">
-                  <a:shade val="50000"/>
-                </a:schemeClr>
-              </a:lnRef>
-              <a:fillRef idx="1">
-                <a:schemeClr val="accent1"/>
-              </a:fillRef>
-              <a:effectRef idx="0">
-                <a:schemeClr val="accent1"/>
-              </a:effectRef>
-              <a:fontRef idx="minor">
-                <a:schemeClr val="lt1"/>
-              </a:fontRef>
-            </p:style>
-            <p:txBody>
-              <a:bodyPr anchor="ctr"/>
-              <a:lstStyle/>
-              <a:p>
-                <a:pPr algn="ctr">
-                  <a:defRPr/>
-                </a:pPr>
-                <a:endParaRPr lang="zh-CN" altLang="en-US" dirty="0">
-                  <a:ea typeface="幼圆" panose="02010509060101010101" pitchFamily="49" charset="-122"/>
-                </a:endParaRPr>
-              </a:p>
-            </p:txBody>
-          </p:sp>
-          <p:cxnSp>
-            <p:nvCxnSpPr>
-              <p:cNvPr id="17" name="直接连接符 71"/>
-              <p:cNvCxnSpPr/>
-              <p:nvPr/>
-            </p:nvCxnSpPr>
-            <p:spPr>
-              <a:xfrm flipH="1">
-                <a:off x="4676274" y="591286"/>
-                <a:ext cx="2471384" cy="2392311"/>
-              </a:xfrm>
-              <a:prstGeom prst="line">
-                <a:avLst/>
-              </a:prstGeom>
-              <a:ln w="12700">
-                <a:solidFill>
-                  <a:schemeClr val="bg1"/>
-                </a:solidFill>
-              </a:ln>
-            </p:spPr>
-            <p:style>
-              <a:lnRef idx="1">
-                <a:schemeClr val="accent1"/>
-              </a:lnRef>
-              <a:fillRef idx="0">
-                <a:schemeClr val="accent1"/>
-              </a:fillRef>
-              <a:effectRef idx="0">
-                <a:schemeClr val="accent1"/>
-              </a:effectRef>
-              <a:fontRef idx="minor">
-                <a:schemeClr val="tx1"/>
-              </a:fontRef>
-            </p:style>
-          </p:cxnSp>
-        </p:grpSp>
-        <p:cxnSp>
-          <p:nvCxnSpPr>
-            <p:cNvPr id="7" name="直接连接符 5"/>
-            <p:cNvCxnSpPr/>
-            <p:nvPr/>
-          </p:nvCxnSpPr>
-          <p:spPr>
-            <a:xfrm>
-              <a:off x="1696895" y="1164303"/>
-              <a:ext cx="6892349" cy="0"/>
-            </a:xfrm>
-            <a:prstGeom prst="line">
-              <a:avLst/>
-            </a:prstGeom>
-            <a:ln>
-              <a:solidFill>
-                <a:schemeClr val="bg1"/>
-              </a:solidFill>
-            </a:ln>
-          </p:spPr>
-          <p:style>
-            <a:lnRef idx="1">
-              <a:schemeClr val="accent1"/>
-            </a:lnRef>
-            <a:fillRef idx="0">
-              <a:schemeClr val="accent1"/>
-            </a:fillRef>
-            <a:effectRef idx="0">
-              <a:schemeClr val="accent1"/>
-            </a:effectRef>
-            <a:fontRef idx="minor">
-              <a:schemeClr val="tx1"/>
-            </a:fontRef>
-          </p:style>
-        </p:cxnSp>
-        <p:sp>
-          <p:nvSpPr>
-            <p:cNvPr id="9" name="椭圆 8"/>
-            <p:cNvSpPr/>
-            <p:nvPr/>
-          </p:nvSpPr>
-          <p:spPr>
-            <a:xfrm>
-              <a:off x="8589244" y="1056344"/>
-              <a:ext cx="215882" cy="215918"/>
-            </a:xfrm>
-            <a:prstGeom prst="ellipse">
-              <a:avLst/>
-            </a:prstGeom>
-            <a:solidFill>
-              <a:schemeClr val="bg1">
-                <a:alpha val="40000"/>
-              </a:schemeClr>
-            </a:solidFill>
-            <a:ln>
-              <a:noFill/>
-            </a:ln>
-          </p:spPr>
-          <p:style>
-            <a:lnRef idx="2">
-              <a:schemeClr val="accent1">
-                <a:shade val="50000"/>
-              </a:schemeClr>
-            </a:lnRef>
-            <a:fillRef idx="1">
-              <a:schemeClr val="accent1"/>
-            </a:fillRef>
-            <a:effectRef idx="0">
-              <a:schemeClr val="accent1"/>
-            </a:effectRef>
-            <a:fontRef idx="minor">
-              <a:schemeClr val="lt1"/>
-            </a:fontRef>
-          </p:style>
-          <p:txBody>
-            <a:bodyPr anchor="ctr"/>
-            <a:lstStyle/>
-            <a:p>
-              <a:pPr algn="ctr">
-                <a:defRPr/>
-              </a:pPr>
-              <a:endParaRPr lang="zh-CN" altLang="en-US" dirty="0">
-                <a:ea typeface="幼圆" panose="02010509060101010101" pitchFamily="49" charset="-122"/>
-              </a:endParaRPr>
-            </a:p>
-          </p:txBody>
-        </p:sp>
-        <p:pic>
-          <p:nvPicPr>
-            <p:cNvPr id="7177" name="图片 74"/>
-            <p:cNvPicPr>
-              <a:picLocks noChangeAspect="1"/>
-            </p:cNvPicPr>
-            <p:nvPr/>
-          </p:nvPicPr>
-          <p:blipFill>
-            <a:blip r:embed="rId4">
-              <a:extLst>
-                <a:ext uri="{28A0092B-C50C-407E-A947-70E740481C1C}">
-                  <a14:useLocalDpi xmlns:a14="http://schemas.microsoft.com/office/drawing/2010/main" val="0"/>
-                </a:ext>
-              </a:extLst>
-            </a:blip>
-            <a:srcRect/>
-            <a:stretch>
-              <a:fillRect/>
-            </a:stretch>
-          </p:blipFill>
-          <p:spPr bwMode="auto">
-            <a:xfrm rot="506853">
-              <a:off x="4028581" y="-704344"/>
-              <a:ext cx="5111480" cy="2875208"/>
-            </a:xfrm>
-            <a:prstGeom prst="rect">
-              <a:avLst/>
-            </a:prstGeom>
-            <a:noFill/>
-            <a:ln>
-              <a:noFill/>
-            </a:ln>
-            <a:extLst>
-              <a:ext uri="{909E8E84-426E-40DD-AFC4-6F175D3DCCD1}">
-                <a14:hiddenFill xmlns:a14="http://schemas.microsoft.com/office/drawing/2010/main">
-                  <a:solidFill>
-                    <a:srgbClr val="FFFFFF"/>
-                  </a:solidFill>
-                </a14:hiddenFill>
-              </a:ext>
-              <a:ext uri="{91240B29-F687-4F45-9708-019B960494DF}">
-                <a14:hiddenLine xmlns:a14="http://schemas.microsoft.com/office/drawing/2010/main" w="9525">
-                  <a:solidFill>
-                    <a:srgbClr val="000000"/>
-                  </a:solidFill>
-                  <a:miter lim="800000"/>
-                  <a:headEnd/>
-                  <a:tailEnd/>
-                </a14:hiddenLine>
-              </a:ext>
-            </a:extLst>
-          </p:spPr>
-        </p:pic>
-      </p:grpSp>
-    </p:spTree>
-  </p:cSld>
-  <p:clrMapOvr>
-    <a:masterClrMapping/>
-  </p:clrMapOvr>
-  <p:transition spd="slow" advTm="9601">
-    <p:fade/>
-  </p:transition>
-  <p:timing>
-    <p:tnLst>
-      <p:par>
-        <p:cTn id="1" dur="indefinite" restart="never" nodeType="tmRoot"/>
-      </p:par>
-    </p:tnLst>
-  </p:timing>
-</p:sld>
-</file>
-
-<file path=ppt/slides/slide7.xml><?xml version="1.0" encoding="utf-8"?>
-<p:sld xmlns:a="http://schemas.openxmlformats.org/drawingml/2006/main" xmlns:r="http://schemas.openxmlformats.org/officeDocument/2006/relationships" xmlns:p="http://schemas.openxmlformats.org/presentationml/2006/main">
-  <p:cSld>
-    <p:spTree>
-      <p:nvGrpSpPr>
-        <p:cNvPr id="1" name=""/>
-        <p:cNvGrpSpPr/>
-        <p:nvPr/>
-      </p:nvGrpSpPr>
-      <p:grpSpPr>
-        <a:xfrm>
-          <a:off x="0" y="0"/>
-          <a:ext cx="0" cy="0"/>
-          <a:chOff x="0" y="0"/>
-          <a:chExt cx="0" cy="0"/>
-        </a:xfrm>
-      </p:grpSpPr>
-      <p:pic>
-        <p:nvPicPr>
           <p:cNvPr id="8194" name="Picture 2"/>
           <p:cNvPicPr>
             <a:picLocks noChangeAspect="1" noChangeArrowheads="1"/>
@@ -13075,7 +11332,7 @@
 </p:sld>
 </file>
 
-<file path=ppt/slides/slide8.xml><?xml version="1.0" encoding="utf-8"?>
+<file path=ppt/slides/slide7.xml><?xml version="1.0" encoding="utf-8"?>
 <p:sld xmlns:a="http://schemas.openxmlformats.org/drawingml/2006/main" xmlns:r="http://schemas.openxmlformats.org/officeDocument/2006/relationships" xmlns:p="http://schemas.openxmlformats.org/presentationml/2006/main">
   <p:cSld>
     <p:spTree>
@@ -13920,7 +12177,7 @@
 </p:sld>
 </file>
 
-<file path=ppt/slides/slide9.xml><?xml version="1.0" encoding="utf-8"?>
+<file path=ppt/slides/slide8.xml><?xml version="1.0" encoding="utf-8"?>
 <p:sld xmlns:a="http://schemas.openxmlformats.org/drawingml/2006/main" xmlns:r="http://schemas.openxmlformats.org/officeDocument/2006/relationships" xmlns:p="http://schemas.openxmlformats.org/presentationml/2006/main">
   <p:cSld>
     <p:spTree>
@@ -14720,6 +12977,777 @@
           </p:nvPicPr>
           <p:blipFill>
             <a:blip r:embed="rId4">
+              <a:extLst>
+                <a:ext uri="{28A0092B-C50C-407E-A947-70E740481C1C}">
+                  <a14:useLocalDpi xmlns:a14="http://schemas.microsoft.com/office/drawing/2010/main" val="0"/>
+                </a:ext>
+              </a:extLst>
+            </a:blip>
+            <a:srcRect/>
+            <a:stretch>
+              <a:fillRect/>
+            </a:stretch>
+          </p:blipFill>
+          <p:spPr bwMode="auto">
+            <a:xfrm rot="506853">
+              <a:off x="4028581" y="-704344"/>
+              <a:ext cx="5111480" cy="2875208"/>
+            </a:xfrm>
+            <a:prstGeom prst="rect">
+              <a:avLst/>
+            </a:prstGeom>
+            <a:noFill/>
+            <a:ln>
+              <a:noFill/>
+            </a:ln>
+            <a:extLst>
+              <a:ext uri="{909E8E84-426E-40DD-AFC4-6F175D3DCCD1}">
+                <a14:hiddenFill xmlns:a14="http://schemas.microsoft.com/office/drawing/2010/main">
+                  <a:solidFill>
+                    <a:srgbClr val="FFFFFF"/>
+                  </a:solidFill>
+                </a14:hiddenFill>
+              </a:ext>
+              <a:ext uri="{91240B29-F687-4F45-9708-019B960494DF}">
+                <a14:hiddenLine xmlns:a14="http://schemas.microsoft.com/office/drawing/2010/main" w="9525">
+                  <a:solidFill>
+                    <a:srgbClr val="000000"/>
+                  </a:solidFill>
+                  <a:miter lim="800000"/>
+                  <a:headEnd/>
+                  <a:tailEnd/>
+                </a14:hiddenLine>
+              </a:ext>
+            </a:extLst>
+          </p:spPr>
+        </p:pic>
+      </p:grpSp>
+    </p:spTree>
+  </p:cSld>
+  <p:clrMapOvr>
+    <a:masterClrMapping/>
+  </p:clrMapOvr>
+  <p:transition spd="slow" advTm="9601">
+    <p:fade/>
+  </p:transition>
+  <p:timing>
+    <p:tnLst>
+      <p:par>
+        <p:cTn id="1" dur="indefinite" restart="never" nodeType="tmRoot"/>
+      </p:par>
+    </p:tnLst>
+  </p:timing>
+</p:sld>
+</file>
+
+<file path=ppt/slides/slide9.xml><?xml version="1.0" encoding="utf-8"?>
+<p:sld xmlns:a="http://schemas.openxmlformats.org/drawingml/2006/main" xmlns:r="http://schemas.openxmlformats.org/officeDocument/2006/relationships" xmlns:p="http://schemas.openxmlformats.org/presentationml/2006/main">
+  <p:cSld>
+    <p:spTree>
+      <p:nvGrpSpPr>
+        <p:cNvPr id="1" name=""/>
+        <p:cNvGrpSpPr/>
+        <p:nvPr/>
+      </p:nvGrpSpPr>
+      <p:grpSpPr>
+        <a:xfrm>
+          <a:off x="0" y="0"/>
+          <a:ext cx="0" cy="0"/>
+          <a:chOff x="0" y="0"/>
+          <a:chExt cx="0" cy="0"/>
+        </a:xfrm>
+      </p:grpSpPr>
+      <p:pic>
+        <p:nvPicPr>
+          <p:cNvPr id="11266" name="圖片 1"/>
+          <p:cNvPicPr>
+            <a:picLocks noChangeAspect="1"/>
+          </p:cNvPicPr>
+          <p:nvPr/>
+        </p:nvPicPr>
+        <p:blipFill>
+          <a:blip r:embed="rId2">
+            <a:extLst>
+              <a:ext uri="{28A0092B-C50C-407E-A947-70E740481C1C}">
+                <a14:useLocalDpi xmlns:a14="http://schemas.microsoft.com/office/drawing/2010/main" val="0"/>
+              </a:ext>
+            </a:extLst>
+          </a:blip>
+          <a:srcRect t="87230" r="53688" b="-2"/>
+          <a:stretch>
+            <a:fillRect/>
+          </a:stretch>
+        </p:blipFill>
+        <p:spPr bwMode="auto">
+          <a:xfrm>
+            <a:off x="26988" y="2463800"/>
+            <a:ext cx="12693650" cy="1984375"/>
+          </a:xfrm>
+          <a:prstGeom prst="rect">
+            <a:avLst/>
+          </a:prstGeom>
+          <a:noFill/>
+          <a:ln>
+            <a:noFill/>
+          </a:ln>
+          <a:extLst>
+            <a:ext uri="{909E8E84-426E-40DD-AFC4-6F175D3DCCD1}">
+              <a14:hiddenFill xmlns:a14="http://schemas.microsoft.com/office/drawing/2010/main">
+                <a:solidFill>
+                  <a:srgbClr val="FFFFFF"/>
+                </a:solidFill>
+              </a14:hiddenFill>
+            </a:ext>
+            <a:ext uri="{91240B29-F687-4F45-9708-019B960494DF}">
+              <a14:hiddenLine xmlns:a14="http://schemas.microsoft.com/office/drawing/2010/main" w="9525">
+                <a:solidFill>
+                  <a:srgbClr val="000000"/>
+                </a:solidFill>
+                <a:miter lim="800000"/>
+                <a:headEnd/>
+                <a:tailEnd/>
+              </a14:hiddenLine>
+            </a:ext>
+          </a:extLst>
+        </p:spPr>
+      </p:pic>
+      <p:sp>
+        <p:nvSpPr>
+          <p:cNvPr id="4" name="文字方塊 3"/>
+          <p:cNvSpPr txBox="1"/>
+          <p:nvPr/>
+        </p:nvSpPr>
+        <p:spPr>
+          <a:xfrm>
+            <a:off x="1844675" y="409575"/>
+            <a:ext cx="2646363" cy="584200"/>
+          </a:xfrm>
+          <a:prstGeom prst="rect">
+            <a:avLst/>
+          </a:prstGeom>
+          <a:noFill/>
+        </p:spPr>
+        <p:txBody>
+          <a:bodyPr wrap="none">
+            <a:spAutoFit/>
+          </a:bodyPr>
+          <a:lstStyle/>
+          <a:p>
+            <a:pPr>
+              <a:defRPr/>
+            </a:pPr>
+            <a:r>
+              <a:rPr lang="zh-TW" altLang="en-US" sz="3200" dirty="0">
+                <a:solidFill>
+                  <a:schemeClr val="bg1"/>
+                </a:solidFill>
+                <a:latin typeface="+mn-ea"/>
+                <a:ea typeface="+mn-ea"/>
+              </a:rPr>
+              <a:t>進行檔案解密</a:t>
+            </a:r>
+          </a:p>
+        </p:txBody>
+      </p:sp>
+      <p:grpSp>
+        <p:nvGrpSpPr>
+          <p:cNvPr id="11268" name="组合 9"/>
+          <p:cNvGrpSpPr>
+            <a:grpSpLocks/>
+          </p:cNvGrpSpPr>
+          <p:nvPr/>
+        </p:nvGrpSpPr>
+        <p:grpSpPr bwMode="auto">
+          <a:xfrm>
+            <a:off x="0" y="-704850"/>
+            <a:ext cx="9140825" cy="2874963"/>
+            <a:chOff x="0" y="-704344"/>
+            <a:chExt cx="9140061" cy="2875208"/>
+          </a:xfrm>
+        </p:grpSpPr>
+        <p:grpSp>
+          <p:nvGrpSpPr>
+            <p:cNvPr id="11269" name="组合 3"/>
+            <p:cNvGrpSpPr>
+              <a:grpSpLocks/>
+            </p:cNvGrpSpPr>
+            <p:nvPr/>
+          </p:nvGrpSpPr>
+          <p:grpSpPr bwMode="auto">
+            <a:xfrm>
+              <a:off x="0" y="-488131"/>
+              <a:ext cx="2392916" cy="2204722"/>
+              <a:chOff x="1444172" y="591989"/>
+              <a:chExt cx="5705283" cy="5256584"/>
+            </a:xfrm>
+          </p:grpSpPr>
+          <p:sp>
+            <p:nvSpPr>
+              <p:cNvPr id="13" name="任意多边形: 形状 63"/>
+              <p:cNvSpPr/>
+              <p:nvPr/>
+            </p:nvSpPr>
+            <p:spPr>
+              <a:xfrm>
+                <a:off x="1902117" y="2404446"/>
+                <a:ext cx="3591644" cy="3444625"/>
+              </a:xfrm>
+              <a:custGeom>
+                <a:avLst/>
+                <a:gdLst>
+                  <a:gd name="connsiteX0" fmla="*/ 0 w 3592285"/>
+                  <a:gd name="connsiteY0" fmla="*/ 699796 h 3442996"/>
+                  <a:gd name="connsiteX1" fmla="*/ 3592285 w 3592285"/>
+                  <a:gd name="connsiteY1" fmla="*/ 0 h 3442996"/>
+                  <a:gd name="connsiteX2" fmla="*/ 2425959 w 3592285"/>
+                  <a:gd name="connsiteY2" fmla="*/ 3442996 h 3442996"/>
+                  <a:gd name="connsiteX3" fmla="*/ 0 w 3592285"/>
+                  <a:gd name="connsiteY3" fmla="*/ 699796 h 3442996"/>
+                </a:gdLst>
+                <a:ahLst/>
+                <a:cxnLst>
+                  <a:cxn ang="0">
+                    <a:pos x="connsiteX0" y="connsiteY0"/>
+                  </a:cxn>
+                  <a:cxn ang="0">
+                    <a:pos x="connsiteX1" y="connsiteY1"/>
+                  </a:cxn>
+                  <a:cxn ang="0">
+                    <a:pos x="connsiteX2" y="connsiteY2"/>
+                  </a:cxn>
+                  <a:cxn ang="0">
+                    <a:pos x="connsiteX3" y="connsiteY3"/>
+                  </a:cxn>
+                </a:cxnLst>
+                <a:rect l="l" t="t" r="r" b="b"/>
+                <a:pathLst>
+                  <a:path w="3592285" h="3442996">
+                    <a:moveTo>
+                      <a:pt x="0" y="699796"/>
+                    </a:moveTo>
+                    <a:lnTo>
+                      <a:pt x="3592285" y="0"/>
+                    </a:lnTo>
+                    <a:lnTo>
+                      <a:pt x="2425959" y="3442996"/>
+                    </a:lnTo>
+                    <a:lnTo>
+                      <a:pt x="0" y="699796"/>
+                    </a:lnTo>
+                    <a:close/>
+                  </a:path>
+                </a:pathLst>
+              </a:custGeom>
+              <a:solidFill>
+                <a:schemeClr val="bg1">
+                  <a:alpha val="20000"/>
+                </a:schemeClr>
+              </a:solidFill>
+              <a:ln>
+                <a:noFill/>
+              </a:ln>
+            </p:spPr>
+            <p:style>
+              <a:lnRef idx="2">
+                <a:schemeClr val="accent1">
+                  <a:shade val="50000"/>
+                </a:schemeClr>
+              </a:lnRef>
+              <a:fillRef idx="1">
+                <a:schemeClr val="accent1"/>
+              </a:fillRef>
+              <a:effectRef idx="0">
+                <a:schemeClr val="accent1"/>
+              </a:effectRef>
+              <a:fontRef idx="minor">
+                <a:schemeClr val="lt1"/>
+              </a:fontRef>
+            </p:style>
+            <p:txBody>
+              <a:bodyPr anchor="ctr"/>
+              <a:lstStyle/>
+              <a:p>
+                <a:pPr algn="ctr">
+                  <a:defRPr/>
+                </a:pPr>
+                <a:endParaRPr lang="zh-CN" altLang="en-US" dirty="0">
+                  <a:ea typeface="幼圆" panose="02010509060101010101" pitchFamily="49" charset="-122"/>
+                </a:endParaRPr>
+              </a:p>
+            </p:txBody>
+          </p:sp>
+          <p:sp>
+            <p:nvSpPr>
+              <p:cNvPr id="14" name="任意多边形: 形状 64"/>
+              <p:cNvSpPr/>
+              <p:nvPr/>
+            </p:nvSpPr>
+            <p:spPr>
+              <a:xfrm>
+                <a:off x="3404627" y="2048628"/>
+                <a:ext cx="1267863" cy="965251"/>
+              </a:xfrm>
+              <a:custGeom>
+                <a:avLst/>
+                <a:gdLst>
+                  <a:gd name="connsiteX0" fmla="*/ 0 w 1270000"/>
+                  <a:gd name="connsiteY0" fmla="*/ 965200 h 965200"/>
+                  <a:gd name="connsiteX1" fmla="*/ 1035050 w 1270000"/>
+                  <a:gd name="connsiteY1" fmla="*/ 0 h 965200"/>
+                  <a:gd name="connsiteX2" fmla="*/ 1270000 w 1270000"/>
+                  <a:gd name="connsiteY2" fmla="*/ 933450 h 965200"/>
+                </a:gdLst>
+                <a:ahLst/>
+                <a:cxnLst>
+                  <a:cxn ang="0">
+                    <a:pos x="connsiteX0" y="connsiteY0"/>
+                  </a:cxn>
+                  <a:cxn ang="0">
+                    <a:pos x="connsiteX1" y="connsiteY1"/>
+                  </a:cxn>
+                  <a:cxn ang="0">
+                    <a:pos x="connsiteX2" y="connsiteY2"/>
+                  </a:cxn>
+                </a:cxnLst>
+                <a:rect l="l" t="t" r="r" b="b"/>
+                <a:pathLst>
+                  <a:path w="1270000" h="965200">
+                    <a:moveTo>
+                      <a:pt x="0" y="965200"/>
+                    </a:moveTo>
+                    <a:lnTo>
+                      <a:pt x="1035050" y="0"/>
+                    </a:lnTo>
+                    <a:lnTo>
+                      <a:pt x="1270000" y="933450"/>
+                    </a:lnTo>
+                  </a:path>
+                </a:pathLst>
+              </a:custGeom>
+              <a:noFill/>
+              <a:ln w="12700">
+                <a:solidFill>
+                  <a:schemeClr val="bg1"/>
+                </a:solidFill>
+              </a:ln>
+            </p:spPr>
+            <p:style>
+              <a:lnRef idx="2">
+                <a:schemeClr val="accent1">
+                  <a:shade val="50000"/>
+                </a:schemeClr>
+              </a:lnRef>
+              <a:fillRef idx="1">
+                <a:schemeClr val="accent1"/>
+              </a:fillRef>
+              <a:effectRef idx="0">
+                <a:schemeClr val="accent1"/>
+              </a:effectRef>
+              <a:fontRef idx="minor">
+                <a:schemeClr val="lt1"/>
+              </a:fontRef>
+            </p:style>
+            <p:txBody>
+              <a:bodyPr anchor="ctr"/>
+              <a:lstStyle/>
+              <a:p>
+                <a:pPr algn="ctr">
+                  <a:defRPr/>
+                </a:pPr>
+                <a:endParaRPr lang="zh-CN" altLang="en-US" dirty="0">
+                  <a:ea typeface="幼圆" panose="02010509060101010101" pitchFamily="49" charset="-122"/>
+                </a:endParaRPr>
+              </a:p>
+            </p:txBody>
+          </p:sp>
+          <p:sp>
+            <p:nvSpPr>
+              <p:cNvPr id="15" name="任意多边形: 形状 65"/>
+              <p:cNvSpPr/>
+              <p:nvPr/>
+            </p:nvSpPr>
+            <p:spPr>
+              <a:xfrm>
+                <a:off x="1833993" y="3793651"/>
+                <a:ext cx="3459182" cy="1752596"/>
+              </a:xfrm>
+              <a:custGeom>
+                <a:avLst/>
+                <a:gdLst>
+                  <a:gd name="connsiteX0" fmla="*/ 733425 w 3457575"/>
+                  <a:gd name="connsiteY0" fmla="*/ 0 h 1752600"/>
+                  <a:gd name="connsiteX1" fmla="*/ 0 w 3457575"/>
+                  <a:gd name="connsiteY1" fmla="*/ 733425 h 1752600"/>
+                  <a:gd name="connsiteX2" fmla="*/ 3457575 w 3457575"/>
+                  <a:gd name="connsiteY2" fmla="*/ 1752600 h 1752600"/>
+                  <a:gd name="connsiteX3" fmla="*/ 3305175 w 3457575"/>
+                  <a:gd name="connsiteY3" fmla="*/ 1114425 h 1752600"/>
+                </a:gdLst>
+                <a:ahLst/>
+                <a:cxnLst>
+                  <a:cxn ang="0">
+                    <a:pos x="connsiteX0" y="connsiteY0"/>
+                  </a:cxn>
+                  <a:cxn ang="0">
+                    <a:pos x="connsiteX1" y="connsiteY1"/>
+                  </a:cxn>
+                  <a:cxn ang="0">
+                    <a:pos x="connsiteX2" y="connsiteY2"/>
+                  </a:cxn>
+                  <a:cxn ang="0">
+                    <a:pos x="connsiteX3" y="connsiteY3"/>
+                  </a:cxn>
+                </a:cxnLst>
+                <a:rect l="l" t="t" r="r" b="b"/>
+                <a:pathLst>
+                  <a:path w="3457575" h="1752600">
+                    <a:moveTo>
+                      <a:pt x="733425" y="0"/>
+                    </a:moveTo>
+                    <a:lnTo>
+                      <a:pt x="0" y="733425"/>
+                    </a:lnTo>
+                    <a:lnTo>
+                      <a:pt x="3457575" y="1752600"/>
+                    </a:lnTo>
+                    <a:lnTo>
+                      <a:pt x="3305175" y="1114425"/>
+                    </a:lnTo>
+                  </a:path>
+                </a:pathLst>
+              </a:custGeom>
+              <a:noFill/>
+              <a:ln w="12700">
+                <a:solidFill>
+                  <a:schemeClr val="bg1"/>
+                </a:solidFill>
+              </a:ln>
+            </p:spPr>
+            <p:style>
+              <a:lnRef idx="2">
+                <a:schemeClr val="accent1">
+                  <a:shade val="50000"/>
+                </a:schemeClr>
+              </a:lnRef>
+              <a:fillRef idx="1">
+                <a:schemeClr val="accent1"/>
+              </a:fillRef>
+              <a:effectRef idx="0">
+                <a:schemeClr val="accent1"/>
+              </a:effectRef>
+              <a:fontRef idx="minor">
+                <a:schemeClr val="lt1"/>
+              </a:fontRef>
+            </p:style>
+            <p:txBody>
+              <a:bodyPr anchor="ctr"/>
+              <a:lstStyle/>
+              <a:p>
+                <a:pPr algn="ctr">
+                  <a:defRPr/>
+                </a:pPr>
+                <a:endParaRPr lang="zh-CN" altLang="en-US" dirty="0">
+                  <a:ea typeface="幼圆" panose="02010509060101010101" pitchFamily="49" charset="-122"/>
+                </a:endParaRPr>
+              </a:p>
+            </p:txBody>
+          </p:sp>
+          <p:cxnSp>
+            <p:nvCxnSpPr>
+              <p:cNvPr id="16" name="直接连接符 66"/>
+              <p:cNvCxnSpPr/>
+              <p:nvPr/>
+            </p:nvCxnSpPr>
+            <p:spPr>
+              <a:xfrm flipH="1">
+                <a:off x="4767106" y="4531786"/>
+                <a:ext cx="719086" cy="722992"/>
+              </a:xfrm>
+              <a:prstGeom prst="line">
+                <a:avLst/>
+              </a:prstGeom>
+              <a:ln w="12700">
+                <a:solidFill>
+                  <a:schemeClr val="bg1"/>
+                </a:solidFill>
+              </a:ln>
+            </p:spPr>
+            <p:style>
+              <a:lnRef idx="1">
+                <a:schemeClr val="accent1"/>
+              </a:lnRef>
+              <a:fillRef idx="0">
+                <a:schemeClr val="accent1"/>
+              </a:fillRef>
+              <a:effectRef idx="0">
+                <a:schemeClr val="accent1"/>
+              </a:effectRef>
+              <a:fontRef idx="minor">
+                <a:schemeClr val="tx1"/>
+              </a:fontRef>
+            </p:style>
+          </p:cxnSp>
+          <p:cxnSp>
+            <p:nvCxnSpPr>
+              <p:cNvPr id="17" name="直接连接符 68"/>
+              <p:cNvCxnSpPr/>
+              <p:nvPr/>
+            </p:nvCxnSpPr>
+            <p:spPr>
+              <a:xfrm flipH="1">
+                <a:off x="1444172" y="4028340"/>
+                <a:ext cx="1669037" cy="1586043"/>
+              </a:xfrm>
+              <a:prstGeom prst="line">
+                <a:avLst/>
+              </a:prstGeom>
+              <a:ln w="12700">
+                <a:solidFill>
+                  <a:schemeClr val="bg1"/>
+                </a:solidFill>
+              </a:ln>
+            </p:spPr>
+            <p:style>
+              <a:lnRef idx="1">
+                <a:schemeClr val="accent1"/>
+              </a:lnRef>
+              <a:fillRef idx="0">
+                <a:schemeClr val="accent1"/>
+              </a:fillRef>
+              <a:effectRef idx="0">
+                <a:schemeClr val="accent1"/>
+              </a:effectRef>
+              <a:fontRef idx="minor">
+                <a:schemeClr val="tx1"/>
+              </a:fontRef>
+            </p:style>
+          </p:cxnSp>
+          <p:sp>
+            <p:nvSpPr>
+              <p:cNvPr id="18" name="任意多边形: 形状 69"/>
+              <p:cNvSpPr/>
+              <p:nvPr/>
+            </p:nvSpPr>
+            <p:spPr>
+              <a:xfrm>
+                <a:off x="4119930" y="2200040"/>
+                <a:ext cx="374680" cy="370960"/>
+              </a:xfrm>
+              <a:custGeom>
+                <a:avLst/>
+                <a:gdLst>
+                  <a:gd name="connsiteX0" fmla="*/ 0 w 374650"/>
+                  <a:gd name="connsiteY0" fmla="*/ 260350 h 368300"/>
+                  <a:gd name="connsiteX1" fmla="*/ 279400 w 374650"/>
+                  <a:gd name="connsiteY1" fmla="*/ 0 h 368300"/>
+                  <a:gd name="connsiteX2" fmla="*/ 374650 w 374650"/>
+                  <a:gd name="connsiteY2" fmla="*/ 368300 h 368300"/>
+                  <a:gd name="connsiteX3" fmla="*/ 0 w 374650"/>
+                  <a:gd name="connsiteY3" fmla="*/ 260350 h 368300"/>
+                </a:gdLst>
+                <a:ahLst/>
+                <a:cxnLst>
+                  <a:cxn ang="0">
+                    <a:pos x="connsiteX0" y="connsiteY0"/>
+                  </a:cxn>
+                  <a:cxn ang="0">
+                    <a:pos x="connsiteX1" y="connsiteY1"/>
+                  </a:cxn>
+                  <a:cxn ang="0">
+                    <a:pos x="connsiteX2" y="connsiteY2"/>
+                  </a:cxn>
+                  <a:cxn ang="0">
+                    <a:pos x="connsiteX3" y="connsiteY3"/>
+                  </a:cxn>
+                </a:cxnLst>
+                <a:rect l="l" t="t" r="r" b="b"/>
+                <a:pathLst>
+                  <a:path w="374650" h="368300">
+                    <a:moveTo>
+                      <a:pt x="0" y="260350"/>
+                    </a:moveTo>
+                    <a:lnTo>
+                      <a:pt x="279400" y="0"/>
+                    </a:lnTo>
+                    <a:lnTo>
+                      <a:pt x="374650" y="368300"/>
+                    </a:lnTo>
+                    <a:lnTo>
+                      <a:pt x="0" y="260350"/>
+                    </a:lnTo>
+                    <a:close/>
+                  </a:path>
+                </a:pathLst>
+              </a:custGeom>
+              <a:solidFill>
+                <a:schemeClr val="bg1"/>
+              </a:solidFill>
+              <a:ln>
+                <a:noFill/>
+              </a:ln>
+            </p:spPr>
+            <p:style>
+              <a:lnRef idx="2">
+                <a:schemeClr val="accent1">
+                  <a:shade val="50000"/>
+                </a:schemeClr>
+              </a:lnRef>
+              <a:fillRef idx="1">
+                <a:schemeClr val="accent1"/>
+              </a:fillRef>
+              <a:effectRef idx="0">
+                <a:schemeClr val="accent1"/>
+              </a:effectRef>
+              <a:fontRef idx="minor">
+                <a:schemeClr val="lt1"/>
+              </a:fontRef>
+            </p:style>
+            <p:txBody>
+              <a:bodyPr anchor="ctr"/>
+              <a:lstStyle/>
+              <a:p>
+                <a:pPr algn="ctr">
+                  <a:defRPr/>
+                </a:pPr>
+                <a:endParaRPr lang="zh-CN" altLang="en-US" dirty="0">
+                  <a:ea typeface="幼圆" panose="02010509060101010101" pitchFamily="49" charset="-122"/>
+                </a:endParaRPr>
+              </a:p>
+            </p:txBody>
+          </p:sp>
+          <p:cxnSp>
+            <p:nvCxnSpPr>
+              <p:cNvPr id="19" name="直接连接符 71"/>
+              <p:cNvCxnSpPr/>
+              <p:nvPr/>
+            </p:nvCxnSpPr>
+            <p:spPr>
+              <a:xfrm flipH="1">
+                <a:off x="4676274" y="591286"/>
+                <a:ext cx="2471386" cy="2392311"/>
+              </a:xfrm>
+              <a:prstGeom prst="line">
+                <a:avLst/>
+              </a:prstGeom>
+              <a:ln w="12700">
+                <a:solidFill>
+                  <a:schemeClr val="bg1"/>
+                </a:solidFill>
+              </a:ln>
+            </p:spPr>
+            <p:style>
+              <a:lnRef idx="1">
+                <a:schemeClr val="accent1"/>
+              </a:lnRef>
+              <a:fillRef idx="0">
+                <a:schemeClr val="accent1"/>
+              </a:fillRef>
+              <a:effectRef idx="0">
+                <a:schemeClr val="accent1"/>
+              </a:effectRef>
+              <a:fontRef idx="minor">
+                <a:schemeClr val="tx1"/>
+              </a:fontRef>
+            </p:style>
+          </p:cxnSp>
+        </p:grpSp>
+        <p:cxnSp>
+          <p:nvCxnSpPr>
+            <p:cNvPr id="9" name="直接连接符 5"/>
+            <p:cNvCxnSpPr/>
+            <p:nvPr/>
+          </p:nvCxnSpPr>
+          <p:spPr>
+            <a:xfrm>
+              <a:off x="1696896" y="1164303"/>
+              <a:ext cx="6892349" cy="0"/>
+            </a:xfrm>
+            <a:prstGeom prst="line">
+              <a:avLst/>
+            </a:prstGeom>
+            <a:ln>
+              <a:solidFill>
+                <a:schemeClr val="bg1"/>
+              </a:solidFill>
+            </a:ln>
+          </p:spPr>
+          <p:style>
+            <a:lnRef idx="1">
+              <a:schemeClr val="accent1"/>
+            </a:lnRef>
+            <a:fillRef idx="0">
+              <a:schemeClr val="accent1"/>
+            </a:fillRef>
+            <a:effectRef idx="0">
+              <a:schemeClr val="accent1"/>
+            </a:effectRef>
+            <a:fontRef idx="minor">
+              <a:schemeClr val="tx1"/>
+            </a:fontRef>
+          </p:style>
+        </p:cxnSp>
+        <p:sp>
+          <p:nvSpPr>
+            <p:cNvPr id="11" name="椭圆 8"/>
+            <p:cNvSpPr/>
+            <p:nvPr/>
+          </p:nvSpPr>
+          <p:spPr>
+            <a:xfrm>
+              <a:off x="8589245" y="1056344"/>
+              <a:ext cx="215882" cy="215918"/>
+            </a:xfrm>
+            <a:prstGeom prst="ellipse">
+              <a:avLst/>
+            </a:prstGeom>
+            <a:solidFill>
+              <a:schemeClr val="bg1">
+                <a:alpha val="40000"/>
+              </a:schemeClr>
+            </a:solidFill>
+            <a:ln>
+              <a:noFill/>
+            </a:ln>
+          </p:spPr>
+          <p:style>
+            <a:lnRef idx="2">
+              <a:schemeClr val="accent1">
+                <a:shade val="50000"/>
+              </a:schemeClr>
+            </a:lnRef>
+            <a:fillRef idx="1">
+              <a:schemeClr val="accent1"/>
+            </a:fillRef>
+            <a:effectRef idx="0">
+              <a:schemeClr val="accent1"/>
+            </a:effectRef>
+            <a:fontRef idx="minor">
+              <a:schemeClr val="lt1"/>
+            </a:fontRef>
+          </p:style>
+          <p:txBody>
+            <a:bodyPr anchor="ctr"/>
+            <a:lstStyle/>
+            <a:p>
+              <a:pPr algn="ctr">
+                <a:defRPr/>
+              </a:pPr>
+              <a:endParaRPr lang="zh-CN" altLang="en-US" dirty="0">
+                <a:ea typeface="幼圆" panose="02010509060101010101" pitchFamily="49" charset="-122"/>
+              </a:endParaRPr>
+            </a:p>
+          </p:txBody>
+        </p:sp>
+        <p:pic>
+          <p:nvPicPr>
+            <p:cNvPr id="11272" name="图片 74"/>
+            <p:cNvPicPr>
+              <a:picLocks noChangeAspect="1"/>
+            </p:cNvPicPr>
+            <p:nvPr/>
+          </p:nvPicPr>
+          <p:blipFill>
+            <a:blip r:embed="rId3">
               <a:extLst>
                 <a:ext uri="{28A0092B-C50C-407E-A947-70E740481C1C}">
                   <a14:useLocalDpi xmlns:a14="http://schemas.microsoft.com/office/drawing/2010/main" val="0"/>
@@ -15080,7 +14108,7 @@
   <a:extraClrSchemeLst/>
   <a:extLst>
     <a:ext uri="{05A4C25C-085E-4340-85A3-A5531E510DB2}">
-      <thm15:themeFamily xmlns="" xmlns:thm15="http://schemas.microsoft.com/office/thememl/2012/main" name="Office Theme" id="{62F939B6-93AF-4DB8-9C6B-D6C7DFDC589F}" vid="{4A3C46E8-61CC-4603-A589-7422A47A8E4A}"/>
+      <thm15:themeFamily xmlns:thm15="http://schemas.microsoft.com/office/thememl/2012/main" xmlns="" name="Office Theme" id="{62F939B6-93AF-4DB8-9C6B-D6C7DFDC589F}" vid="{4A3C46E8-61CC-4603-A589-7422A47A8E4A}"/>
     </a:ext>
   </a:extLst>
 </a:theme>
